--- a/Report/Images/Architecture plaatje.pptx
+++ b/Report/Images/Architecture plaatje.pptx
@@ -8,9 +8,10 @@
     <p:sldId id="256" r:id="rId2"/>
     <p:sldId id="257" r:id="rId3"/>
     <p:sldId id="258" r:id="rId4"/>
+    <p:sldId id="260" r:id="rId5"/>
   </p:sldIdLst>
   <p:sldSz cx="12192000" cy="6858000"/>
-  <p:notesSz cx="6858000" cy="9144000"/>
+  <p:notesSz cx="7315200" cy="9601200"/>
   <p:defaultTextStyle>
     <a:defPPr>
       <a:defRPr lang="en-US"/>
@@ -240,7 +241,8 @@
           <a:p>
             <a:fld id="{4EA3B149-8D50-44C1-AD4C-C0EBDED1C9D6}" type="datetimeFigureOut">
               <a:rPr lang="en-GB" smtClean="0"/>
-              <a:t>11/09/2015</a:t>
+              <a:pPr/>
+              <a:t>23/10/2015</a:t>
             </a:fld>
             <a:endParaRPr lang="en-GB"/>
           </a:p>
@@ -282,6 +284,7 @@
           <a:p>
             <a:fld id="{06DE071B-4425-42E4-8271-18125BE13F4B}" type="slidenum">
               <a:rPr lang="en-GB" smtClean="0"/>
+              <a:pPr/>
               <a:t>‹#›</a:t>
             </a:fld>
             <a:endParaRPr lang="en-GB"/>
@@ -291,7 +294,7 @@
     </p:spTree>
     <p:extLst>
       <p:ext uri="{BB962C8B-B14F-4D97-AF65-F5344CB8AC3E}">
-        <p14:creationId xmlns:p14="http://schemas.microsoft.com/office/powerpoint/2010/main" val="3282415694"/>
+        <p14:creationId xmlns:p14="http://schemas.microsoft.com/office/powerpoint/2010/main" xmlns="" val="3282415694"/>
       </p:ext>
     </p:extLst>
   </p:cSld>
@@ -410,7 +413,8 @@
           <a:p>
             <a:fld id="{4EA3B149-8D50-44C1-AD4C-C0EBDED1C9D6}" type="datetimeFigureOut">
               <a:rPr lang="en-GB" smtClean="0"/>
-              <a:t>11/09/2015</a:t>
+              <a:pPr/>
+              <a:t>23/10/2015</a:t>
             </a:fld>
             <a:endParaRPr lang="en-GB"/>
           </a:p>
@@ -452,6 +456,7 @@
           <a:p>
             <a:fld id="{06DE071B-4425-42E4-8271-18125BE13F4B}" type="slidenum">
               <a:rPr lang="en-GB" smtClean="0"/>
+              <a:pPr/>
               <a:t>‹#›</a:t>
             </a:fld>
             <a:endParaRPr lang="en-GB"/>
@@ -461,7 +466,7 @@
     </p:spTree>
     <p:extLst>
       <p:ext uri="{BB962C8B-B14F-4D97-AF65-F5344CB8AC3E}">
-        <p14:creationId xmlns:p14="http://schemas.microsoft.com/office/powerpoint/2010/main" val="652912909"/>
+        <p14:creationId xmlns:p14="http://schemas.microsoft.com/office/powerpoint/2010/main" xmlns="" val="652912909"/>
       </p:ext>
     </p:extLst>
   </p:cSld>
@@ -590,7 +595,8 @@
           <a:p>
             <a:fld id="{4EA3B149-8D50-44C1-AD4C-C0EBDED1C9D6}" type="datetimeFigureOut">
               <a:rPr lang="en-GB" smtClean="0"/>
-              <a:t>11/09/2015</a:t>
+              <a:pPr/>
+              <a:t>23/10/2015</a:t>
             </a:fld>
             <a:endParaRPr lang="en-GB"/>
           </a:p>
@@ -632,6 +638,7 @@
           <a:p>
             <a:fld id="{06DE071B-4425-42E4-8271-18125BE13F4B}" type="slidenum">
               <a:rPr lang="en-GB" smtClean="0"/>
+              <a:pPr/>
               <a:t>‹#›</a:t>
             </a:fld>
             <a:endParaRPr lang="en-GB"/>
@@ -641,7 +648,7 @@
     </p:spTree>
     <p:extLst>
       <p:ext uri="{BB962C8B-B14F-4D97-AF65-F5344CB8AC3E}">
-        <p14:creationId xmlns:p14="http://schemas.microsoft.com/office/powerpoint/2010/main" val="3542601984"/>
+        <p14:creationId xmlns:p14="http://schemas.microsoft.com/office/powerpoint/2010/main" xmlns="" val="3542601984"/>
       </p:ext>
     </p:extLst>
   </p:cSld>
@@ -760,7 +767,8 @@
           <a:p>
             <a:fld id="{4EA3B149-8D50-44C1-AD4C-C0EBDED1C9D6}" type="datetimeFigureOut">
               <a:rPr lang="en-GB" smtClean="0"/>
-              <a:t>11/09/2015</a:t>
+              <a:pPr/>
+              <a:t>23/10/2015</a:t>
             </a:fld>
             <a:endParaRPr lang="en-GB"/>
           </a:p>
@@ -802,6 +810,7 @@
           <a:p>
             <a:fld id="{06DE071B-4425-42E4-8271-18125BE13F4B}" type="slidenum">
               <a:rPr lang="en-GB" smtClean="0"/>
+              <a:pPr/>
               <a:t>‹#›</a:t>
             </a:fld>
             <a:endParaRPr lang="en-GB"/>
@@ -811,7 +820,7 @@
     </p:spTree>
     <p:extLst>
       <p:ext uri="{BB962C8B-B14F-4D97-AF65-F5344CB8AC3E}">
-        <p14:creationId xmlns:p14="http://schemas.microsoft.com/office/powerpoint/2010/main" val="616423508"/>
+        <p14:creationId xmlns:p14="http://schemas.microsoft.com/office/powerpoint/2010/main" xmlns="" val="616423508"/>
       </p:ext>
     </p:extLst>
   </p:cSld>
@@ -1006,7 +1015,8 @@
           <a:p>
             <a:fld id="{4EA3B149-8D50-44C1-AD4C-C0EBDED1C9D6}" type="datetimeFigureOut">
               <a:rPr lang="en-GB" smtClean="0"/>
-              <a:t>11/09/2015</a:t>
+              <a:pPr/>
+              <a:t>23/10/2015</a:t>
             </a:fld>
             <a:endParaRPr lang="en-GB"/>
           </a:p>
@@ -1048,6 +1058,7 @@
           <a:p>
             <a:fld id="{06DE071B-4425-42E4-8271-18125BE13F4B}" type="slidenum">
               <a:rPr lang="en-GB" smtClean="0"/>
+              <a:pPr/>
               <a:t>‹#›</a:t>
             </a:fld>
             <a:endParaRPr lang="en-GB"/>
@@ -1057,7 +1068,7 @@
     </p:spTree>
     <p:extLst>
       <p:ext uri="{BB962C8B-B14F-4D97-AF65-F5344CB8AC3E}">
-        <p14:creationId xmlns:p14="http://schemas.microsoft.com/office/powerpoint/2010/main" val="336526782"/>
+        <p14:creationId xmlns:p14="http://schemas.microsoft.com/office/powerpoint/2010/main" xmlns="" val="336526782"/>
       </p:ext>
     </p:extLst>
   </p:cSld>
@@ -1238,7 +1249,8 @@
           <a:p>
             <a:fld id="{4EA3B149-8D50-44C1-AD4C-C0EBDED1C9D6}" type="datetimeFigureOut">
               <a:rPr lang="en-GB" smtClean="0"/>
-              <a:t>11/09/2015</a:t>
+              <a:pPr/>
+              <a:t>23/10/2015</a:t>
             </a:fld>
             <a:endParaRPr lang="en-GB"/>
           </a:p>
@@ -1280,6 +1292,7 @@
           <a:p>
             <a:fld id="{06DE071B-4425-42E4-8271-18125BE13F4B}" type="slidenum">
               <a:rPr lang="en-GB" smtClean="0"/>
+              <a:pPr/>
               <a:t>‹#›</a:t>
             </a:fld>
             <a:endParaRPr lang="en-GB"/>
@@ -1289,7 +1302,7 @@
     </p:spTree>
     <p:extLst>
       <p:ext uri="{BB962C8B-B14F-4D97-AF65-F5344CB8AC3E}">
-        <p14:creationId xmlns:p14="http://schemas.microsoft.com/office/powerpoint/2010/main" val="503357626"/>
+        <p14:creationId xmlns:p14="http://schemas.microsoft.com/office/powerpoint/2010/main" xmlns="" val="503357626"/>
       </p:ext>
     </p:extLst>
   </p:cSld>
@@ -1605,7 +1618,8 @@
           <a:p>
             <a:fld id="{4EA3B149-8D50-44C1-AD4C-C0EBDED1C9D6}" type="datetimeFigureOut">
               <a:rPr lang="en-GB" smtClean="0"/>
-              <a:t>11/09/2015</a:t>
+              <a:pPr/>
+              <a:t>23/10/2015</a:t>
             </a:fld>
             <a:endParaRPr lang="en-GB"/>
           </a:p>
@@ -1647,6 +1661,7 @@
           <a:p>
             <a:fld id="{06DE071B-4425-42E4-8271-18125BE13F4B}" type="slidenum">
               <a:rPr lang="en-GB" smtClean="0"/>
+              <a:pPr/>
               <a:t>‹#›</a:t>
             </a:fld>
             <a:endParaRPr lang="en-GB"/>
@@ -1656,7 +1671,7 @@
     </p:spTree>
     <p:extLst>
       <p:ext uri="{BB962C8B-B14F-4D97-AF65-F5344CB8AC3E}">
-        <p14:creationId xmlns:p14="http://schemas.microsoft.com/office/powerpoint/2010/main" val="2782734308"/>
+        <p14:creationId xmlns:p14="http://schemas.microsoft.com/office/powerpoint/2010/main" xmlns="" val="2782734308"/>
       </p:ext>
     </p:extLst>
   </p:cSld>
@@ -1723,7 +1738,8 @@
           <a:p>
             <a:fld id="{4EA3B149-8D50-44C1-AD4C-C0EBDED1C9D6}" type="datetimeFigureOut">
               <a:rPr lang="en-GB" smtClean="0"/>
-              <a:t>11/09/2015</a:t>
+              <a:pPr/>
+              <a:t>23/10/2015</a:t>
             </a:fld>
             <a:endParaRPr lang="en-GB"/>
           </a:p>
@@ -1765,6 +1781,7 @@
           <a:p>
             <a:fld id="{06DE071B-4425-42E4-8271-18125BE13F4B}" type="slidenum">
               <a:rPr lang="en-GB" smtClean="0"/>
+              <a:pPr/>
               <a:t>‹#›</a:t>
             </a:fld>
             <a:endParaRPr lang="en-GB"/>
@@ -1774,7 +1791,7 @@
     </p:spTree>
     <p:extLst>
       <p:ext uri="{BB962C8B-B14F-4D97-AF65-F5344CB8AC3E}">
-        <p14:creationId xmlns:p14="http://schemas.microsoft.com/office/powerpoint/2010/main" val="1435716037"/>
+        <p14:creationId xmlns:p14="http://schemas.microsoft.com/office/powerpoint/2010/main" xmlns="" val="1435716037"/>
       </p:ext>
     </p:extLst>
   </p:cSld>
@@ -1818,7 +1835,8 @@
           <a:p>
             <a:fld id="{4EA3B149-8D50-44C1-AD4C-C0EBDED1C9D6}" type="datetimeFigureOut">
               <a:rPr lang="en-GB" smtClean="0"/>
-              <a:t>11/09/2015</a:t>
+              <a:pPr/>
+              <a:t>23/10/2015</a:t>
             </a:fld>
             <a:endParaRPr lang="en-GB"/>
           </a:p>
@@ -1860,6 +1878,7 @@
           <a:p>
             <a:fld id="{06DE071B-4425-42E4-8271-18125BE13F4B}" type="slidenum">
               <a:rPr lang="en-GB" smtClean="0"/>
+              <a:pPr/>
               <a:t>‹#›</a:t>
             </a:fld>
             <a:endParaRPr lang="en-GB"/>
@@ -1869,7 +1888,7 @@
     </p:spTree>
     <p:extLst>
       <p:ext uri="{BB962C8B-B14F-4D97-AF65-F5344CB8AC3E}">
-        <p14:creationId xmlns:p14="http://schemas.microsoft.com/office/powerpoint/2010/main" val="1139805188"/>
+        <p14:creationId xmlns:p14="http://schemas.microsoft.com/office/powerpoint/2010/main" xmlns="" val="1139805188"/>
       </p:ext>
     </p:extLst>
   </p:cSld>
@@ -2095,7 +2114,8 @@
           <a:p>
             <a:fld id="{4EA3B149-8D50-44C1-AD4C-C0EBDED1C9D6}" type="datetimeFigureOut">
               <a:rPr lang="en-GB" smtClean="0"/>
-              <a:t>11/09/2015</a:t>
+              <a:pPr/>
+              <a:t>23/10/2015</a:t>
             </a:fld>
             <a:endParaRPr lang="en-GB"/>
           </a:p>
@@ -2137,6 +2157,7 @@
           <a:p>
             <a:fld id="{06DE071B-4425-42E4-8271-18125BE13F4B}" type="slidenum">
               <a:rPr lang="en-GB" smtClean="0"/>
+              <a:pPr/>
               <a:t>‹#›</a:t>
             </a:fld>
             <a:endParaRPr lang="en-GB"/>
@@ -2146,7 +2167,7 @@
     </p:spTree>
     <p:extLst>
       <p:ext uri="{BB962C8B-B14F-4D97-AF65-F5344CB8AC3E}">
-        <p14:creationId xmlns:p14="http://schemas.microsoft.com/office/powerpoint/2010/main" val="2251535157"/>
+        <p14:creationId xmlns:p14="http://schemas.microsoft.com/office/powerpoint/2010/main" xmlns="" val="2251535157"/>
       </p:ext>
     </p:extLst>
   </p:cSld>
@@ -2348,7 +2369,8 @@
           <a:p>
             <a:fld id="{4EA3B149-8D50-44C1-AD4C-C0EBDED1C9D6}" type="datetimeFigureOut">
               <a:rPr lang="en-GB" smtClean="0"/>
-              <a:t>11/09/2015</a:t>
+              <a:pPr/>
+              <a:t>23/10/2015</a:t>
             </a:fld>
             <a:endParaRPr lang="en-GB"/>
           </a:p>
@@ -2390,6 +2412,7 @@
           <a:p>
             <a:fld id="{06DE071B-4425-42E4-8271-18125BE13F4B}" type="slidenum">
               <a:rPr lang="en-GB" smtClean="0"/>
+              <a:pPr/>
               <a:t>‹#›</a:t>
             </a:fld>
             <a:endParaRPr lang="en-GB"/>
@@ -2399,7 +2422,7 @@
     </p:spTree>
     <p:extLst>
       <p:ext uri="{BB962C8B-B14F-4D97-AF65-F5344CB8AC3E}">
-        <p14:creationId xmlns:p14="http://schemas.microsoft.com/office/powerpoint/2010/main" val="1149123372"/>
+        <p14:creationId xmlns:p14="http://schemas.microsoft.com/office/powerpoint/2010/main" xmlns="" val="1149123372"/>
       </p:ext>
     </p:extLst>
   </p:cSld>
@@ -2561,7 +2584,8 @@
           <a:p>
             <a:fld id="{4EA3B149-8D50-44C1-AD4C-C0EBDED1C9D6}" type="datetimeFigureOut">
               <a:rPr lang="en-GB" smtClean="0"/>
-              <a:t>11/09/2015</a:t>
+              <a:pPr/>
+              <a:t>23/10/2015</a:t>
             </a:fld>
             <a:endParaRPr lang="en-GB"/>
           </a:p>
@@ -2639,6 +2663,7 @@
           <a:p>
             <a:fld id="{06DE071B-4425-42E4-8271-18125BE13F4B}" type="slidenum">
               <a:rPr lang="en-GB" smtClean="0"/>
+              <a:pPr/>
               <a:t>‹#›</a:t>
             </a:fld>
             <a:endParaRPr lang="en-GB"/>
@@ -2648,7 +2673,7 @@
     </p:spTree>
     <p:extLst>
       <p:ext uri="{BB962C8B-B14F-4D97-AF65-F5344CB8AC3E}">
-        <p14:creationId xmlns:p14="http://schemas.microsoft.com/office/powerpoint/2010/main" val="3688675907"/>
+        <p14:creationId xmlns:p14="http://schemas.microsoft.com/office/powerpoint/2010/main" xmlns="" val="3688675907"/>
       </p:ext>
     </p:extLst>
   </p:cSld>
@@ -3007,9 +3032,6 @@
               </a:rPr>
               <a:t>Collect P2000 notifications</a:t>
             </a:r>
-            <a:endParaRPr lang="en-GB" sz="1200" b="0" i="0" u="none" strike="noStrike" baseline="0" dirty="0" smtClean="0">
-              <a:latin typeface="CMR10"/>
-            </a:endParaRPr>
           </a:p>
         </p:txBody>
       </p:sp>
@@ -3062,9 +3084,6 @@
               </a:rPr>
               <a:t>P2000 notifications</a:t>
             </a:r>
-            <a:endParaRPr lang="en-GB" sz="1200" b="0" i="0" u="none" strike="noStrike" baseline="0" dirty="0" smtClean="0">
-              <a:latin typeface="CMR10"/>
-            </a:endParaRPr>
           </a:p>
         </p:txBody>
       </p:sp>
@@ -3161,9 +3180,6 @@
               </a:rPr>
               <a:t>Cluster notifications</a:t>
             </a:r>
-            <a:endParaRPr lang="en-US" sz="1200" b="0" i="0" u="none" strike="noStrike" baseline="0" dirty="0" smtClean="0">
-              <a:latin typeface="CMR10"/>
-            </a:endParaRPr>
           </a:p>
         </p:txBody>
       </p:sp>
@@ -3208,9 +3224,6 @@
               </a:rPr>
               <a:t>Collect news feed / twitter data</a:t>
             </a:r>
-            <a:endParaRPr lang="en-GB" sz="1200" b="0" i="0" u="none" strike="noStrike" baseline="0" dirty="0" smtClean="0">
-              <a:latin typeface="CMR10"/>
-            </a:endParaRPr>
           </a:p>
         </p:txBody>
       </p:sp>
@@ -3255,9 +3268,6 @@
               </a:rPr>
               <a:t>Cluster news feed / twitter data</a:t>
             </a:r>
-            <a:endParaRPr lang="en-GB" sz="1200" b="0" i="0" u="none" strike="noStrike" baseline="0" dirty="0" smtClean="0">
-              <a:latin typeface="CMR10"/>
-            </a:endParaRPr>
           </a:p>
         </p:txBody>
       </p:sp>
@@ -3418,9 +3428,6 @@
               </a:rPr>
               <a:t>codes</a:t>
             </a:r>
-            <a:endParaRPr lang="en-GB" sz="1200" b="0" i="0" u="none" strike="noStrike" baseline="0" dirty="0" smtClean="0">
-              <a:latin typeface="CMR10"/>
-            </a:endParaRPr>
           </a:p>
         </p:txBody>
       </p:sp>
@@ -3465,9 +3472,6 @@
               </a:rPr>
               <a:t>Association analyser</a:t>
             </a:r>
-            <a:endParaRPr lang="en-GB" sz="1200" b="0" i="0" u="none" strike="noStrike" baseline="0" dirty="0" smtClean="0">
-              <a:latin typeface="CMR10"/>
-            </a:endParaRPr>
           </a:p>
         </p:txBody>
       </p:sp>
@@ -3520,9 +3524,6 @@
               </a:rPr>
               <a:t>twitter data</a:t>
             </a:r>
-            <a:endParaRPr lang="en-GB" sz="1200" b="0" i="0" u="none" strike="noStrike" baseline="0" dirty="0" smtClean="0">
-              <a:latin typeface="CMR10"/>
-            </a:endParaRPr>
           </a:p>
         </p:txBody>
       </p:sp>
@@ -4209,7 +4210,7 @@
     </p:spTree>
     <p:extLst>
       <p:ext uri="{BB962C8B-B14F-4D97-AF65-F5344CB8AC3E}">
-        <p14:creationId xmlns:p14="http://schemas.microsoft.com/office/powerpoint/2010/main" val="226816729"/>
+        <p14:creationId xmlns:p14="http://schemas.microsoft.com/office/powerpoint/2010/main" xmlns="" val="226816729"/>
       </p:ext>
     </p:extLst>
   </p:cSld>
@@ -4245,7 +4246,7 @@
           <p:nvPr/>
         </p:nvPicPr>
         <p:blipFill>
-          <a:blip r:embed="rId2"/>
+          <a:blip r:embed="rId2" cstate="print"/>
           <a:stretch>
             <a:fillRect/>
           </a:stretch>
@@ -4263,7 +4264,7 @@
     </p:spTree>
     <p:extLst>
       <p:ext uri="{BB962C8B-B14F-4D97-AF65-F5344CB8AC3E}">
-        <p14:creationId xmlns:p14="http://schemas.microsoft.com/office/powerpoint/2010/main" val="510325788"/>
+        <p14:creationId xmlns:p14="http://schemas.microsoft.com/office/powerpoint/2010/main" xmlns="" val="510325788"/>
       </p:ext>
     </p:extLst>
   </p:cSld>
@@ -4346,9 +4347,6 @@
                 </a:rPr>
                 <a:t>Collect P2000 notifications</a:t>
               </a:r>
-              <a:endParaRPr lang="en-GB" sz="1200" b="0" i="0" u="none" strike="noStrike" baseline="0" dirty="0" smtClean="0">
-                <a:latin typeface="CMR10"/>
-              </a:endParaRPr>
             </a:p>
           </p:txBody>
         </p:sp>
@@ -4403,9 +4401,6 @@
                 </a:rPr>
                 <a:t>P2000 notifications</a:t>
               </a:r>
-              <a:endParaRPr lang="en-GB" sz="1200" b="0" i="0" u="none" strike="noStrike" baseline="0" dirty="0" smtClean="0">
-                <a:latin typeface="CMR10"/>
-              </a:endParaRPr>
             </a:p>
           </p:txBody>
         </p:sp>
@@ -4503,9 +4498,6 @@
                 </a:rPr>
                 <a:t>Cluster notifications</a:t>
               </a:r>
-              <a:endParaRPr lang="en-US" sz="1200" b="0" i="0" u="none" strike="noStrike" baseline="0" dirty="0" smtClean="0">
-                <a:latin typeface="CMR10"/>
-              </a:endParaRPr>
             </a:p>
           </p:txBody>
         </p:sp>
@@ -4551,9 +4543,6 @@
                 </a:rPr>
                 <a:t>Collect twitter data</a:t>
               </a:r>
-              <a:endParaRPr lang="en-GB" sz="1200" b="0" i="0" u="none" strike="noStrike" baseline="0" dirty="0" smtClean="0">
-                <a:latin typeface="CMR10"/>
-              </a:endParaRPr>
             </a:p>
           </p:txBody>
         </p:sp>
@@ -4599,9 +4588,6 @@
                 </a:rPr>
                 <a:t>Cluster news feed / twitter data</a:t>
               </a:r>
-              <a:endParaRPr lang="en-GB" sz="1200" b="0" i="0" u="none" strike="noStrike" baseline="0" dirty="0" smtClean="0">
-                <a:latin typeface="CMR10"/>
-              </a:endParaRPr>
             </a:p>
           </p:txBody>
         </p:sp>
@@ -4806,9 +4792,6 @@
                 </a:rPr>
                 <a:t>Association analyser</a:t>
               </a:r>
-              <a:endParaRPr lang="en-GB" sz="1200" b="0" i="0" u="none" strike="noStrike" baseline="0" dirty="0" smtClean="0">
-                <a:latin typeface="CMR10"/>
-              </a:endParaRPr>
             </a:p>
           </p:txBody>
         </p:sp>
@@ -4863,9 +4846,6 @@
                 </a:rPr>
                 <a:t>twitter data</a:t>
               </a:r>
-              <a:endParaRPr lang="en-GB" sz="1200" b="0" i="0" u="none" strike="noStrike" baseline="0" dirty="0" smtClean="0">
-                <a:latin typeface="CMR10"/>
-              </a:endParaRPr>
             </a:p>
           </p:txBody>
         </p:sp>
@@ -5362,9 +5342,6 @@
                 </a:rPr>
                 <a:t>Collect news feed </a:t>
               </a:r>
-              <a:endParaRPr lang="en-GB" sz="1200" b="0" i="0" u="none" strike="noStrike" baseline="0" dirty="0" smtClean="0">
-                <a:latin typeface="CMR10"/>
-              </a:endParaRPr>
             </a:p>
           </p:txBody>
         </p:sp>
@@ -5781,7 +5758,1443 @@
     </p:spTree>
     <p:extLst>
       <p:ext uri="{BB962C8B-B14F-4D97-AF65-F5344CB8AC3E}">
-        <p14:creationId xmlns:p14="http://schemas.microsoft.com/office/powerpoint/2010/main" val="3122238582"/>
+        <p14:creationId xmlns:p14="http://schemas.microsoft.com/office/powerpoint/2010/main" xmlns="" val="3122238582"/>
+      </p:ext>
+    </p:extLst>
+  </p:cSld>
+  <p:clrMapOvr>
+    <a:masterClrMapping/>
+  </p:clrMapOvr>
+</p:sld>
+</file>
+
+<file path=ppt/slides/slide4.xml><?xml version="1.0" encoding="utf-8"?>
+<p:sld xmlns:a="http://schemas.openxmlformats.org/drawingml/2006/main" xmlns:r="http://schemas.openxmlformats.org/officeDocument/2006/relationships" xmlns:p="http://schemas.openxmlformats.org/presentationml/2006/main">
+  <p:cSld>
+    <p:spTree>
+      <p:nvGrpSpPr>
+        <p:cNvPr id="1" name=""/>
+        <p:cNvGrpSpPr/>
+        <p:nvPr/>
+      </p:nvGrpSpPr>
+      <p:grpSpPr>
+        <a:xfrm>
+          <a:off x="0" y="0"/>
+          <a:ext cx="0" cy="0"/>
+          <a:chOff x="0" y="0"/>
+          <a:chExt cx="0" cy="0"/>
+        </a:xfrm>
+      </p:grpSpPr>
+      <p:grpSp>
+        <p:nvGrpSpPr>
+          <p:cNvPr id="2" name="Group 234"/>
+          <p:cNvGrpSpPr/>
+          <p:nvPr/>
+        </p:nvGrpSpPr>
+        <p:grpSpPr>
+          <a:xfrm>
+            <a:off x="1040493" y="544362"/>
+            <a:ext cx="7843423" cy="5242462"/>
+            <a:chOff x="1040493" y="544362"/>
+            <a:chExt cx="7843423" cy="5242462"/>
+          </a:xfrm>
+        </p:grpSpPr>
+        <p:sp>
+          <p:nvSpPr>
+            <p:cNvPr id="4" name="Rounded Rectangle 3"/>
+            <p:cNvSpPr/>
+            <p:nvPr/>
+          </p:nvSpPr>
+          <p:spPr>
+            <a:xfrm>
+              <a:off x="4052671" y="544362"/>
+              <a:ext cx="1256830" cy="540279"/>
+            </a:xfrm>
+            <a:prstGeom prst="roundRect">
+              <a:avLst/>
+            </a:prstGeom>
+          </p:spPr>
+          <p:style>
+            <a:lnRef idx="2">
+              <a:schemeClr val="accent1">
+                <a:shade val="50000"/>
+              </a:schemeClr>
+            </a:lnRef>
+            <a:fillRef idx="1">
+              <a:schemeClr val="accent1"/>
+            </a:fillRef>
+            <a:effectRef idx="0">
+              <a:schemeClr val="accent1"/>
+            </a:effectRef>
+            <a:fontRef idx="minor">
+              <a:schemeClr val="lt1"/>
+            </a:fontRef>
+          </p:style>
+          <p:txBody>
+            <a:bodyPr rtlCol="0" anchor="ctr"/>
+            <a:lstStyle/>
+            <a:p>
+              <a:pPr algn="ctr"/>
+              <a:r>
+                <a:rPr lang="en-GB" sz="1200" b="0" i="0" u="none" strike="noStrike" baseline="0" dirty="0" smtClean="0">
+                  <a:latin typeface="CMR10"/>
+                </a:rPr>
+                <a:t>Collect P2000 notifications</a:t>
+              </a:r>
+            </a:p>
+          </p:txBody>
+        </p:sp>
+        <p:sp>
+          <p:nvSpPr>
+            <p:cNvPr id="6" name="Rounded Rectangle 5"/>
+            <p:cNvSpPr/>
+            <p:nvPr/>
+          </p:nvSpPr>
+          <p:spPr>
+            <a:xfrm>
+              <a:off x="3962530" y="2199819"/>
+              <a:ext cx="1443613" cy="540279"/>
+            </a:xfrm>
+            <a:prstGeom prst="roundRect">
+              <a:avLst/>
+            </a:prstGeom>
+          </p:spPr>
+          <p:style>
+            <a:lnRef idx="2">
+              <a:schemeClr val="accent1">
+                <a:shade val="50000"/>
+              </a:schemeClr>
+            </a:lnRef>
+            <a:fillRef idx="1">
+              <a:schemeClr val="accent1"/>
+            </a:fillRef>
+            <a:effectRef idx="0">
+              <a:schemeClr val="accent1"/>
+            </a:effectRef>
+            <a:fontRef idx="minor">
+              <a:schemeClr val="lt1"/>
+            </a:fontRef>
+          </p:style>
+          <p:txBody>
+            <a:bodyPr rtlCol="0" anchor="ctr"/>
+            <a:lstStyle/>
+            <a:p>
+              <a:pPr algn="ctr"/>
+              <a:r>
+                <a:rPr lang="en-US" sz="1200" b="0" i="0" u="none" strike="noStrike" baseline="0" dirty="0" smtClean="0">
+                  <a:latin typeface="CMR10"/>
+                </a:rPr>
+                <a:t>Indexing of </a:t>
+              </a:r>
+              <a:r>
+                <a:rPr lang="en-GB" sz="1200" b="0" i="0" u="none" strike="noStrike" baseline="0" dirty="0" smtClean="0">
+                  <a:latin typeface="CMR10"/>
+                </a:rPr>
+                <a:t>notifications</a:t>
+              </a:r>
+              <a:endParaRPr lang="en-GB" sz="1200" dirty="0"/>
+            </a:p>
+          </p:txBody>
+        </p:sp>
+        <p:sp>
+          <p:nvSpPr>
+            <p:cNvPr id="7" name="Rounded Rectangle 6"/>
+            <p:cNvSpPr/>
+            <p:nvPr/>
+          </p:nvSpPr>
+          <p:spPr>
+            <a:xfrm>
+              <a:off x="1040493" y="3292016"/>
+              <a:ext cx="1627230" cy="540280"/>
+            </a:xfrm>
+            <a:prstGeom prst="roundRect">
+              <a:avLst/>
+            </a:prstGeom>
+          </p:spPr>
+          <p:style>
+            <a:lnRef idx="2">
+              <a:schemeClr val="accent1">
+                <a:shade val="50000"/>
+              </a:schemeClr>
+            </a:lnRef>
+            <a:fillRef idx="1">
+              <a:schemeClr val="accent1"/>
+            </a:fillRef>
+            <a:effectRef idx="0">
+              <a:schemeClr val="accent1"/>
+            </a:effectRef>
+            <a:fontRef idx="minor">
+              <a:schemeClr val="lt1"/>
+            </a:fontRef>
+          </p:style>
+          <p:txBody>
+            <a:bodyPr rtlCol="0" anchor="ctr"/>
+            <a:lstStyle/>
+            <a:p>
+              <a:pPr algn="ctr"/>
+              <a:r>
+                <a:rPr lang="en-US" sz="1200" b="0" i="0" u="none" strike="noStrike" baseline="0" dirty="0" smtClean="0">
+                  <a:latin typeface="CMR10"/>
+                </a:rPr>
+                <a:t>Cluster notifications</a:t>
+              </a:r>
+            </a:p>
+          </p:txBody>
+        </p:sp>
+        <p:sp>
+          <p:nvSpPr>
+            <p:cNvPr id="8" name="Rounded Rectangle 7"/>
+            <p:cNvSpPr/>
+            <p:nvPr/>
+          </p:nvSpPr>
+          <p:spPr>
+            <a:xfrm>
+              <a:off x="5917586" y="2777766"/>
+              <a:ext cx="1487934" cy="542491"/>
+            </a:xfrm>
+            <a:prstGeom prst="roundRect">
+              <a:avLst/>
+            </a:prstGeom>
+          </p:spPr>
+          <p:style>
+            <a:lnRef idx="2">
+              <a:schemeClr val="accent1">
+                <a:shade val="50000"/>
+              </a:schemeClr>
+            </a:lnRef>
+            <a:fillRef idx="1">
+              <a:schemeClr val="accent1"/>
+            </a:fillRef>
+            <a:effectRef idx="0">
+              <a:schemeClr val="accent1"/>
+            </a:effectRef>
+            <a:fontRef idx="minor">
+              <a:schemeClr val="lt1"/>
+            </a:fontRef>
+          </p:style>
+          <p:txBody>
+            <a:bodyPr rtlCol="0" anchor="ctr"/>
+            <a:lstStyle/>
+            <a:p>
+              <a:pPr algn="ctr"/>
+              <a:r>
+                <a:rPr lang="en-GB" sz="1200" b="0" i="0" u="none" strike="noStrike" baseline="0" dirty="0" smtClean="0">
+                  <a:latin typeface="CMR10"/>
+                </a:rPr>
+                <a:t>Collect twitter data</a:t>
+              </a:r>
+            </a:p>
+          </p:txBody>
+        </p:sp>
+        <p:sp>
+          <p:nvSpPr>
+            <p:cNvPr id="9" name="Rounded Rectangle 8"/>
+            <p:cNvSpPr/>
+            <p:nvPr/>
+          </p:nvSpPr>
+          <p:spPr>
+            <a:xfrm>
+              <a:off x="6633822" y="5251766"/>
+              <a:ext cx="1939591" cy="535058"/>
+            </a:xfrm>
+            <a:prstGeom prst="roundRect">
+              <a:avLst/>
+            </a:prstGeom>
+          </p:spPr>
+          <p:style>
+            <a:lnRef idx="2">
+              <a:schemeClr val="accent1">
+                <a:shade val="50000"/>
+              </a:schemeClr>
+            </a:lnRef>
+            <a:fillRef idx="1">
+              <a:schemeClr val="accent1"/>
+            </a:fillRef>
+            <a:effectRef idx="0">
+              <a:schemeClr val="accent1"/>
+            </a:effectRef>
+            <a:fontRef idx="minor">
+              <a:schemeClr val="lt1"/>
+            </a:fontRef>
+          </p:style>
+          <p:txBody>
+            <a:bodyPr rtlCol="0" anchor="ctr"/>
+            <a:lstStyle/>
+            <a:p>
+              <a:pPr algn="ctr"/>
+              <a:r>
+                <a:rPr lang="en-GB" sz="1200" b="0" i="0" u="none" strike="noStrike" baseline="0" dirty="0" smtClean="0">
+                  <a:latin typeface="CMR10"/>
+                </a:rPr>
+                <a:t>Classify news</a:t>
+              </a:r>
+              <a:r>
+                <a:rPr lang="en-GB" sz="1200" b="0" i="0" u="none" strike="noStrike" dirty="0" smtClean="0">
+                  <a:latin typeface="CMR10"/>
+                </a:rPr>
+                <a:t> feed / </a:t>
+              </a:r>
+              <a:r>
+                <a:rPr lang="en-GB" sz="1200" dirty="0" smtClean="0">
+                  <a:latin typeface="CMR10"/>
+                </a:rPr>
+                <a:t>T</a:t>
+              </a:r>
+              <a:r>
+                <a:rPr lang="en-GB" sz="1200" b="0" i="0" u="none" strike="noStrike" dirty="0" smtClean="0">
+                  <a:latin typeface="CMR10"/>
+                </a:rPr>
+                <a:t>witter data</a:t>
+              </a:r>
+              <a:endParaRPr lang="en-GB" sz="1200" b="0" i="0" u="none" strike="noStrike" baseline="0" dirty="0" smtClean="0">
+                <a:latin typeface="CMR10"/>
+              </a:endParaRPr>
+            </a:p>
+          </p:txBody>
+        </p:sp>
+        <p:sp>
+          <p:nvSpPr>
+            <p:cNvPr id="12" name="Rounded Rectangle 11"/>
+            <p:cNvSpPr/>
+            <p:nvPr/>
+          </p:nvSpPr>
+          <p:spPr>
+            <a:xfrm>
+              <a:off x="1698172" y="2080137"/>
+              <a:ext cx="1542552" cy="783307"/>
+            </a:xfrm>
+            <a:prstGeom prst="roundRect">
+              <a:avLst/>
+            </a:prstGeom>
+          </p:spPr>
+          <p:style>
+            <a:lnRef idx="2">
+              <a:schemeClr val="accent1">
+                <a:shade val="50000"/>
+              </a:schemeClr>
+            </a:lnRef>
+            <a:fillRef idx="1">
+              <a:schemeClr val="accent1"/>
+            </a:fillRef>
+            <a:effectRef idx="0">
+              <a:schemeClr val="accent1"/>
+            </a:effectRef>
+            <a:fontRef idx="minor">
+              <a:schemeClr val="lt1"/>
+            </a:fontRef>
+          </p:style>
+          <p:txBody>
+            <a:bodyPr rtlCol="0" anchor="ctr"/>
+            <a:lstStyle/>
+            <a:p>
+              <a:pPr algn="ctr"/>
+              <a:r>
+                <a:rPr lang="en-GB" sz="1200" b="0" i="0" u="none" strike="noStrike" baseline="0" dirty="0" smtClean="0">
+                  <a:latin typeface="CMR10"/>
+                </a:rPr>
+                <a:t>Create database of P2000 Notification</a:t>
+              </a:r>
+              <a:r>
+                <a:rPr lang="en-GB" sz="1200" b="0" i="0" u="none" strike="noStrike" dirty="0" smtClean="0">
+                  <a:latin typeface="CMR10"/>
+                </a:rPr>
+                <a:t> c</a:t>
+              </a:r>
+              <a:r>
+                <a:rPr lang="en-GB" sz="1200" b="0" i="0" u="none" strike="noStrike" baseline="0" dirty="0" smtClean="0">
+                  <a:latin typeface="CMR10"/>
+                </a:rPr>
+                <a:t>odes</a:t>
+              </a:r>
+              <a:endParaRPr lang="en-GB" sz="1200" b="1" i="0" u="none" strike="noStrike" baseline="0" dirty="0" smtClean="0">
+                <a:latin typeface="CMR10"/>
+              </a:endParaRPr>
+            </a:p>
+          </p:txBody>
+        </p:sp>
+        <p:sp>
+          <p:nvSpPr>
+            <p:cNvPr id="13" name="Rounded Rectangle 12"/>
+            <p:cNvSpPr/>
+            <p:nvPr/>
+          </p:nvSpPr>
+          <p:spPr>
+            <a:xfrm>
+              <a:off x="3604925" y="4415988"/>
+              <a:ext cx="1061606" cy="542491"/>
+            </a:xfrm>
+            <a:prstGeom prst="roundRect">
+              <a:avLst/>
+            </a:prstGeom>
+          </p:spPr>
+          <p:style>
+            <a:lnRef idx="2">
+              <a:schemeClr val="accent1">
+                <a:shade val="50000"/>
+              </a:schemeClr>
+            </a:lnRef>
+            <a:fillRef idx="1">
+              <a:schemeClr val="accent1"/>
+            </a:fillRef>
+            <a:effectRef idx="0">
+              <a:schemeClr val="accent1"/>
+            </a:effectRef>
+            <a:fontRef idx="minor">
+              <a:schemeClr val="lt1"/>
+            </a:fontRef>
+          </p:style>
+          <p:txBody>
+            <a:bodyPr rtlCol="0" anchor="ctr"/>
+            <a:lstStyle/>
+            <a:p>
+              <a:pPr algn="ctr"/>
+              <a:r>
+                <a:rPr lang="en-GB" sz="1200" b="0" i="0" u="none" strike="noStrike" baseline="0" dirty="0" smtClean="0">
+                  <a:latin typeface="CMR10"/>
+                </a:rPr>
+                <a:t>Association </a:t>
+              </a:r>
+              <a:r>
+                <a:rPr lang="en-GB" sz="1200" b="0" i="0" u="none" strike="noStrike" baseline="0" dirty="0" smtClean="0">
+                  <a:latin typeface="CMR10"/>
+                </a:rPr>
+                <a:t>analyser  news</a:t>
+              </a:r>
+              <a:endParaRPr lang="en-GB" sz="1200" b="0" i="0" u="none" strike="noStrike" baseline="0" dirty="0" smtClean="0">
+                <a:latin typeface="CMR10"/>
+              </a:endParaRPr>
+            </a:p>
+          </p:txBody>
+        </p:sp>
+        <p:sp>
+          <p:nvSpPr>
+            <p:cNvPr id="14" name="Rounded Rectangle 13"/>
+            <p:cNvSpPr/>
+            <p:nvPr/>
+          </p:nvSpPr>
+          <p:spPr>
+            <a:xfrm>
+              <a:off x="7043268" y="4494587"/>
+              <a:ext cx="1120700" cy="534352"/>
+            </a:xfrm>
+            <a:prstGeom prst="roundRect">
+              <a:avLst/>
+            </a:prstGeom>
+          </p:spPr>
+          <p:style>
+            <a:lnRef idx="2">
+              <a:schemeClr val="accent1">
+                <a:shade val="50000"/>
+              </a:schemeClr>
+            </a:lnRef>
+            <a:fillRef idx="1">
+              <a:schemeClr val="accent1"/>
+            </a:fillRef>
+            <a:effectRef idx="0">
+              <a:schemeClr val="accent1"/>
+            </a:effectRef>
+            <a:fontRef idx="minor">
+              <a:schemeClr val="lt1"/>
+            </a:fontRef>
+          </p:style>
+          <p:txBody>
+            <a:bodyPr rtlCol="0" anchor="ctr"/>
+            <a:lstStyle/>
+            <a:p>
+              <a:pPr algn="ctr"/>
+              <a:r>
+                <a:rPr lang="en-GB" sz="1200" b="0" i="0" u="none" strike="noStrike" baseline="0" dirty="0" smtClean="0">
+                  <a:latin typeface="CMR10"/>
+                </a:rPr>
+                <a:t>Indexing of news feed /</a:t>
+              </a:r>
+            </a:p>
+            <a:p>
+              <a:pPr algn="ctr"/>
+              <a:r>
+                <a:rPr lang="en-GB" sz="1200" b="0" i="0" u="none" strike="noStrike" baseline="0" dirty="0" smtClean="0">
+                  <a:latin typeface="CMR10"/>
+                </a:rPr>
+                <a:t>twitter data</a:t>
+              </a:r>
+            </a:p>
+          </p:txBody>
+        </p:sp>
+        <p:sp>
+          <p:nvSpPr>
+            <p:cNvPr id="15" name="Rounded Rectangle 14"/>
+            <p:cNvSpPr/>
+            <p:nvPr/>
+          </p:nvSpPr>
+          <p:spPr>
+            <a:xfrm>
+              <a:off x="1148129" y="4413594"/>
+              <a:ext cx="1411957" cy="542491"/>
+            </a:xfrm>
+            <a:prstGeom prst="roundRect">
+              <a:avLst/>
+            </a:prstGeom>
+          </p:spPr>
+          <p:style>
+            <a:lnRef idx="2">
+              <a:schemeClr val="accent1">
+                <a:shade val="50000"/>
+              </a:schemeClr>
+            </a:lnRef>
+            <a:fillRef idx="1">
+              <a:schemeClr val="accent1"/>
+            </a:fillRef>
+            <a:effectRef idx="0">
+              <a:schemeClr val="accent1"/>
+            </a:effectRef>
+            <a:fontRef idx="minor">
+              <a:schemeClr val="lt1"/>
+            </a:fontRef>
+          </p:style>
+          <p:txBody>
+            <a:bodyPr rtlCol="0" anchor="ctr"/>
+            <a:lstStyle/>
+            <a:p>
+              <a:pPr algn="ctr"/>
+              <a:r>
+                <a:rPr lang="en-GB" sz="1200" b="0" i="0" u="none" strike="noStrike" baseline="0" dirty="0" smtClean="0">
+                  <a:latin typeface="CMR10"/>
+                </a:rPr>
+                <a:t>Classify P2000 notifications</a:t>
+              </a:r>
+              <a:endParaRPr lang="en-GB" sz="1200" dirty="0"/>
+            </a:p>
+          </p:txBody>
+        </p:sp>
+        <p:cxnSp>
+          <p:nvCxnSpPr>
+            <p:cNvPr id="18" name="Straight Arrow Connector 17"/>
+            <p:cNvCxnSpPr>
+              <a:stCxn id="12" idx="3"/>
+              <a:endCxn id="6" idx="1"/>
+            </p:cNvCxnSpPr>
+            <p:nvPr/>
+          </p:nvCxnSpPr>
+          <p:spPr>
+            <a:xfrm flipV="1">
+              <a:off x="3240724" y="2469959"/>
+              <a:ext cx="721806" cy="1832"/>
+            </a:xfrm>
+            <a:prstGeom prst="straightConnector1">
+              <a:avLst/>
+            </a:prstGeom>
+            <a:ln w="19050">
+              <a:solidFill>
+                <a:schemeClr val="tx1"/>
+              </a:solidFill>
+              <a:tailEnd type="triangle"/>
+            </a:ln>
+          </p:spPr>
+          <p:style>
+            <a:lnRef idx="1">
+              <a:schemeClr val="accent1"/>
+            </a:lnRef>
+            <a:fillRef idx="0">
+              <a:schemeClr val="accent1"/>
+            </a:fillRef>
+            <a:effectRef idx="0">
+              <a:schemeClr val="accent1"/>
+            </a:effectRef>
+            <a:fontRef idx="minor">
+              <a:schemeClr val="tx1"/>
+            </a:fontRef>
+          </p:style>
+        </p:cxnSp>
+        <p:cxnSp>
+          <p:nvCxnSpPr>
+            <p:cNvPr id="20" name="Straight Arrow Connector 19"/>
+            <p:cNvCxnSpPr>
+              <a:stCxn id="4" idx="2"/>
+              <a:endCxn id="6" idx="0"/>
+            </p:cNvCxnSpPr>
+            <p:nvPr/>
+          </p:nvCxnSpPr>
+          <p:spPr>
+            <a:xfrm>
+              <a:off x="4681086" y="1084641"/>
+              <a:ext cx="3251" cy="1115178"/>
+            </a:xfrm>
+            <a:prstGeom prst="straightConnector1">
+              <a:avLst/>
+            </a:prstGeom>
+            <a:ln w="19050">
+              <a:solidFill>
+                <a:schemeClr val="tx1"/>
+              </a:solidFill>
+              <a:tailEnd type="triangle"/>
+            </a:ln>
+          </p:spPr>
+          <p:style>
+            <a:lnRef idx="1">
+              <a:schemeClr val="accent1"/>
+            </a:lnRef>
+            <a:fillRef idx="0">
+              <a:schemeClr val="accent1"/>
+            </a:fillRef>
+            <a:effectRef idx="0">
+              <a:schemeClr val="accent1"/>
+            </a:effectRef>
+            <a:fontRef idx="minor">
+              <a:schemeClr val="tx1"/>
+            </a:fontRef>
+          </p:style>
+        </p:cxnSp>
+        <p:cxnSp>
+          <p:nvCxnSpPr>
+            <p:cNvPr id="21" name="Straight Arrow Connector 20"/>
+            <p:cNvCxnSpPr>
+              <a:stCxn id="31" idx="2"/>
+              <a:endCxn id="14" idx="0"/>
+            </p:cNvCxnSpPr>
+            <p:nvPr/>
+          </p:nvCxnSpPr>
+          <p:spPr>
+            <a:xfrm flipH="1">
+              <a:off x="7603618" y="4271760"/>
+              <a:ext cx="1" cy="222827"/>
+            </a:xfrm>
+            <a:prstGeom prst="straightConnector1">
+              <a:avLst/>
+            </a:prstGeom>
+            <a:ln w="19050">
+              <a:solidFill>
+                <a:schemeClr val="tx1"/>
+              </a:solidFill>
+              <a:tailEnd type="triangle"/>
+            </a:ln>
+          </p:spPr>
+          <p:style>
+            <a:lnRef idx="1">
+              <a:schemeClr val="accent1"/>
+            </a:lnRef>
+            <a:fillRef idx="0">
+              <a:schemeClr val="accent1"/>
+            </a:fillRef>
+            <a:effectRef idx="0">
+              <a:schemeClr val="accent1"/>
+            </a:effectRef>
+            <a:fontRef idx="minor">
+              <a:schemeClr val="tx1"/>
+            </a:fontRef>
+          </p:style>
+        </p:cxnSp>
+        <p:cxnSp>
+          <p:nvCxnSpPr>
+            <p:cNvPr id="24" name="Straight Arrow Connector 23"/>
+            <p:cNvCxnSpPr>
+              <a:stCxn id="14" idx="2"/>
+              <a:endCxn id="9" idx="0"/>
+            </p:cNvCxnSpPr>
+            <p:nvPr/>
+          </p:nvCxnSpPr>
+          <p:spPr>
+            <a:xfrm>
+              <a:off x="7603618" y="5028939"/>
+              <a:ext cx="0" cy="222827"/>
+            </a:xfrm>
+            <a:prstGeom prst="straightConnector1">
+              <a:avLst/>
+            </a:prstGeom>
+            <a:ln w="19050">
+              <a:solidFill>
+                <a:schemeClr val="tx1"/>
+              </a:solidFill>
+              <a:tailEnd type="triangle"/>
+            </a:ln>
+          </p:spPr>
+          <p:style>
+            <a:lnRef idx="1">
+              <a:schemeClr val="accent1"/>
+            </a:lnRef>
+            <a:fillRef idx="0">
+              <a:schemeClr val="accent1"/>
+            </a:fillRef>
+            <a:effectRef idx="0">
+              <a:schemeClr val="accent1"/>
+            </a:effectRef>
+            <a:fontRef idx="minor">
+              <a:schemeClr val="tx1"/>
+            </a:fontRef>
+          </p:style>
+        </p:cxnSp>
+        <p:cxnSp>
+          <p:nvCxnSpPr>
+            <p:cNvPr id="26" name="Straight Arrow Connector 25"/>
+            <p:cNvCxnSpPr>
+              <a:stCxn id="7" idx="2"/>
+              <a:endCxn id="15" idx="0"/>
+            </p:cNvCxnSpPr>
+            <p:nvPr/>
+          </p:nvCxnSpPr>
+          <p:spPr>
+            <a:xfrm>
+              <a:off x="1854108" y="3832296"/>
+              <a:ext cx="0" cy="581298"/>
+            </a:xfrm>
+            <a:prstGeom prst="straightConnector1">
+              <a:avLst/>
+            </a:prstGeom>
+            <a:ln w="19050">
+              <a:solidFill>
+                <a:schemeClr val="tx1"/>
+              </a:solidFill>
+              <a:tailEnd type="triangle"/>
+            </a:ln>
+          </p:spPr>
+          <p:style>
+            <a:lnRef idx="1">
+              <a:schemeClr val="accent1"/>
+            </a:lnRef>
+            <a:fillRef idx="0">
+              <a:schemeClr val="accent1"/>
+            </a:fillRef>
+            <a:effectRef idx="0">
+              <a:schemeClr val="accent1"/>
+            </a:effectRef>
+            <a:fontRef idx="minor">
+              <a:schemeClr val="tx1"/>
+            </a:fontRef>
+          </p:style>
+        </p:cxnSp>
+        <p:sp>
+          <p:nvSpPr>
+            <p:cNvPr id="31" name="Rounded Rectangle 30"/>
+            <p:cNvSpPr/>
+            <p:nvPr/>
+          </p:nvSpPr>
+          <p:spPr>
+            <a:xfrm>
+              <a:off x="6544036" y="3731482"/>
+              <a:ext cx="2119165" cy="540278"/>
+            </a:xfrm>
+            <a:prstGeom prst="roundRect">
+              <a:avLst/>
+            </a:prstGeom>
+          </p:spPr>
+          <p:style>
+            <a:lnRef idx="2">
+              <a:schemeClr val="accent1">
+                <a:shade val="50000"/>
+              </a:schemeClr>
+            </a:lnRef>
+            <a:fillRef idx="1">
+              <a:schemeClr val="accent1"/>
+            </a:fillRef>
+            <a:effectRef idx="0">
+              <a:schemeClr val="accent1"/>
+            </a:effectRef>
+            <a:fontRef idx="minor">
+              <a:schemeClr val="lt1"/>
+            </a:fontRef>
+          </p:style>
+          <p:txBody>
+            <a:bodyPr rtlCol="0" anchor="ctr"/>
+            <a:lstStyle/>
+            <a:p>
+              <a:pPr algn="ctr"/>
+              <a:r>
+                <a:rPr lang="en-GB" sz="1200" b="0" i="0" u="none" strike="noStrike" baseline="0" dirty="0" smtClean="0">
+                  <a:latin typeface="CMR10"/>
+                </a:rPr>
+                <a:t>Language detection &amp;</a:t>
+              </a:r>
+            </a:p>
+            <a:p>
+              <a:pPr algn="ctr"/>
+              <a:r>
+                <a:rPr lang="en-GB" sz="1200" b="0" i="0" u="none" strike="noStrike" baseline="0" dirty="0" smtClean="0">
+                  <a:latin typeface="CMR10"/>
+                </a:rPr>
+                <a:t>spell check (News/Twitter)</a:t>
+              </a:r>
+            </a:p>
+          </p:txBody>
+        </p:sp>
+        <p:sp>
+          <p:nvSpPr>
+            <p:cNvPr id="37" name="Rounded Rectangle 36"/>
+            <p:cNvSpPr/>
+            <p:nvPr/>
+          </p:nvSpPr>
+          <p:spPr>
+            <a:xfrm>
+              <a:off x="7841015" y="2766071"/>
+              <a:ext cx="1042901" cy="565880"/>
+            </a:xfrm>
+            <a:prstGeom prst="roundRect">
+              <a:avLst/>
+            </a:prstGeom>
+          </p:spPr>
+          <p:style>
+            <a:lnRef idx="2">
+              <a:schemeClr val="accent1">
+                <a:shade val="50000"/>
+              </a:schemeClr>
+            </a:lnRef>
+            <a:fillRef idx="1">
+              <a:schemeClr val="accent1"/>
+            </a:fillRef>
+            <a:effectRef idx="0">
+              <a:schemeClr val="accent1"/>
+            </a:effectRef>
+            <a:fontRef idx="minor">
+              <a:schemeClr val="lt1"/>
+            </a:fontRef>
+          </p:style>
+          <p:txBody>
+            <a:bodyPr rtlCol="0" anchor="ctr"/>
+            <a:lstStyle/>
+            <a:p>
+              <a:pPr algn="ctr"/>
+              <a:r>
+                <a:rPr lang="en-GB" sz="1200" b="0" i="0" u="none" strike="noStrike" baseline="0" dirty="0" smtClean="0">
+                  <a:latin typeface="CMR10"/>
+                </a:rPr>
+                <a:t>Collect news feed </a:t>
+              </a:r>
+            </a:p>
+          </p:txBody>
+        </p:sp>
+        <p:cxnSp>
+          <p:nvCxnSpPr>
+            <p:cNvPr id="169" name="Elbow Connector 168"/>
+            <p:cNvCxnSpPr>
+              <a:stCxn id="6" idx="3"/>
+              <a:endCxn id="8" idx="0"/>
+            </p:cNvCxnSpPr>
+            <p:nvPr/>
+          </p:nvCxnSpPr>
+          <p:spPr>
+            <a:xfrm>
+              <a:off x="5406143" y="2469959"/>
+              <a:ext cx="1255410" cy="307807"/>
+            </a:xfrm>
+            <a:prstGeom prst="bentConnector2">
+              <a:avLst/>
+            </a:prstGeom>
+            <a:ln w="19050">
+              <a:solidFill>
+                <a:schemeClr val="tx1"/>
+              </a:solidFill>
+              <a:tailEnd type="triangle"/>
+            </a:ln>
+          </p:spPr>
+          <p:style>
+            <a:lnRef idx="1">
+              <a:schemeClr val="accent1"/>
+            </a:lnRef>
+            <a:fillRef idx="0">
+              <a:schemeClr val="accent1"/>
+            </a:fillRef>
+            <a:effectRef idx="0">
+              <a:schemeClr val="accent1"/>
+            </a:effectRef>
+            <a:fontRef idx="minor">
+              <a:schemeClr val="tx1"/>
+            </a:fontRef>
+          </p:style>
+        </p:cxnSp>
+        <p:cxnSp>
+          <p:nvCxnSpPr>
+            <p:cNvPr id="177" name="Elbow Connector 176"/>
+            <p:cNvCxnSpPr>
+              <a:stCxn id="6" idx="2"/>
+              <a:endCxn id="7" idx="0"/>
+            </p:cNvCxnSpPr>
+            <p:nvPr/>
+          </p:nvCxnSpPr>
+          <p:spPr>
+            <a:xfrm rot="5400000">
+              <a:off x="2993264" y="1600943"/>
+              <a:ext cx="551918" cy="2830229"/>
+            </a:xfrm>
+            <a:prstGeom prst="bentConnector3">
+              <a:avLst>
+                <a:gd name="adj1" fmla="val 50000"/>
+              </a:avLst>
+            </a:prstGeom>
+            <a:ln w="19050">
+              <a:solidFill>
+                <a:schemeClr val="tx1"/>
+              </a:solidFill>
+              <a:tailEnd type="triangle"/>
+            </a:ln>
+          </p:spPr>
+          <p:style>
+            <a:lnRef idx="1">
+              <a:schemeClr val="accent1"/>
+            </a:lnRef>
+            <a:fillRef idx="0">
+              <a:schemeClr val="accent1"/>
+            </a:fillRef>
+            <a:effectRef idx="0">
+              <a:schemeClr val="accent1"/>
+            </a:effectRef>
+            <a:fontRef idx="minor">
+              <a:schemeClr val="tx1"/>
+            </a:fontRef>
+          </p:style>
+        </p:cxnSp>
+        <p:cxnSp>
+          <p:nvCxnSpPr>
+            <p:cNvPr id="180" name="Elbow Connector 179"/>
+            <p:cNvCxnSpPr>
+              <a:stCxn id="15" idx="3"/>
+              <a:endCxn id="13" idx="1"/>
+            </p:cNvCxnSpPr>
+            <p:nvPr/>
+          </p:nvCxnSpPr>
+          <p:spPr>
+            <a:xfrm>
+              <a:off x="2560086" y="4684840"/>
+              <a:ext cx="1044839" cy="2394"/>
+            </a:xfrm>
+            <a:prstGeom prst="bentConnector3">
+              <a:avLst>
+                <a:gd name="adj1" fmla="val 50000"/>
+              </a:avLst>
+            </a:prstGeom>
+            <a:ln w="19050">
+              <a:solidFill>
+                <a:schemeClr val="tx1"/>
+              </a:solidFill>
+              <a:tailEnd type="triangle"/>
+            </a:ln>
+          </p:spPr>
+          <p:style>
+            <a:lnRef idx="1">
+              <a:schemeClr val="accent1"/>
+            </a:lnRef>
+            <a:fillRef idx="0">
+              <a:schemeClr val="accent1"/>
+            </a:fillRef>
+            <a:effectRef idx="0">
+              <a:schemeClr val="accent1"/>
+            </a:effectRef>
+            <a:fontRef idx="minor">
+              <a:schemeClr val="tx1"/>
+            </a:fontRef>
+          </p:style>
+        </p:cxnSp>
+        <p:cxnSp>
+          <p:nvCxnSpPr>
+            <p:cNvPr id="186" name="Elbow Connector 185"/>
+            <p:cNvCxnSpPr>
+              <a:stCxn id="8" idx="2"/>
+              <a:endCxn id="31" idx="0"/>
+            </p:cNvCxnSpPr>
+            <p:nvPr/>
+          </p:nvCxnSpPr>
+          <p:spPr>
+            <a:xfrm rot="16200000" flipH="1">
+              <a:off x="6926974" y="3054836"/>
+              <a:ext cx="411225" cy="942066"/>
+            </a:xfrm>
+            <a:prstGeom prst="bentConnector3">
+              <a:avLst>
+                <a:gd name="adj1" fmla="val 50000"/>
+              </a:avLst>
+            </a:prstGeom>
+            <a:ln w="19050">
+              <a:solidFill>
+                <a:schemeClr val="tx1"/>
+              </a:solidFill>
+              <a:tailEnd type="triangle"/>
+            </a:ln>
+          </p:spPr>
+          <p:style>
+            <a:lnRef idx="1">
+              <a:schemeClr val="accent1"/>
+            </a:lnRef>
+            <a:fillRef idx="0">
+              <a:schemeClr val="accent1"/>
+            </a:fillRef>
+            <a:effectRef idx="0">
+              <a:schemeClr val="accent1"/>
+            </a:effectRef>
+            <a:fontRef idx="minor">
+              <a:schemeClr val="tx1"/>
+            </a:fontRef>
+          </p:style>
+        </p:cxnSp>
+        <p:cxnSp>
+          <p:nvCxnSpPr>
+            <p:cNvPr id="189" name="Elbow Connector 188"/>
+            <p:cNvCxnSpPr>
+              <a:stCxn id="37" idx="2"/>
+              <a:endCxn id="31" idx="0"/>
+            </p:cNvCxnSpPr>
+            <p:nvPr/>
+          </p:nvCxnSpPr>
+          <p:spPr>
+            <a:xfrm rot="5400000">
+              <a:off x="7783278" y="3152293"/>
+              <a:ext cx="399531" cy="758847"/>
+            </a:xfrm>
+            <a:prstGeom prst="bentConnector3">
+              <a:avLst>
+                <a:gd name="adj1" fmla="val 48729"/>
+              </a:avLst>
+            </a:prstGeom>
+            <a:ln w="19050">
+              <a:solidFill>
+                <a:schemeClr val="tx1"/>
+              </a:solidFill>
+              <a:tailEnd type="triangle"/>
+            </a:ln>
+          </p:spPr>
+          <p:style>
+            <a:lnRef idx="1">
+              <a:schemeClr val="accent1"/>
+            </a:lnRef>
+            <a:fillRef idx="0">
+              <a:schemeClr val="accent1"/>
+            </a:fillRef>
+            <a:effectRef idx="0">
+              <a:schemeClr val="accent1"/>
+            </a:effectRef>
+            <a:fontRef idx="minor">
+              <a:schemeClr val="tx1"/>
+            </a:fontRef>
+          </p:style>
+        </p:cxnSp>
+        <p:cxnSp>
+          <p:nvCxnSpPr>
+            <p:cNvPr id="193" name="Elbow Connector 192"/>
+            <p:cNvCxnSpPr>
+              <a:stCxn id="9" idx="1"/>
+              <a:endCxn id="13" idx="3"/>
+            </p:cNvCxnSpPr>
+            <p:nvPr/>
+          </p:nvCxnSpPr>
+          <p:spPr>
+            <a:xfrm rot="10800000">
+              <a:off x="4666532" y="4687235"/>
+              <a:ext cx="1967291" cy="832061"/>
+            </a:xfrm>
+            <a:prstGeom prst="bentConnector3">
+              <a:avLst>
+                <a:gd name="adj1" fmla="val 17945"/>
+              </a:avLst>
+            </a:prstGeom>
+            <a:ln w="19050">
+              <a:solidFill>
+                <a:schemeClr val="tx1"/>
+              </a:solidFill>
+              <a:tailEnd type="triangle"/>
+            </a:ln>
+          </p:spPr>
+          <p:style>
+            <a:lnRef idx="1">
+              <a:schemeClr val="accent1"/>
+            </a:lnRef>
+            <a:fillRef idx="0">
+              <a:schemeClr val="accent1"/>
+            </a:fillRef>
+            <a:effectRef idx="0">
+              <a:schemeClr val="accent1"/>
+            </a:effectRef>
+            <a:fontRef idx="minor">
+              <a:schemeClr val="tx1"/>
+            </a:fontRef>
+          </p:style>
+        </p:cxnSp>
+        <p:cxnSp>
+          <p:nvCxnSpPr>
+            <p:cNvPr id="198" name="Elbow Connector 197"/>
+            <p:cNvCxnSpPr>
+              <a:stCxn id="6" idx="3"/>
+              <a:endCxn id="37" idx="0"/>
+            </p:cNvCxnSpPr>
+            <p:nvPr/>
+          </p:nvCxnSpPr>
+          <p:spPr>
+            <a:xfrm>
+              <a:off x="5406143" y="2469959"/>
+              <a:ext cx="2956323" cy="296112"/>
+            </a:xfrm>
+            <a:prstGeom prst="bentConnector2">
+              <a:avLst/>
+            </a:prstGeom>
+            <a:ln w="19050">
+              <a:solidFill>
+                <a:schemeClr val="tx1"/>
+              </a:solidFill>
+              <a:tailEnd type="triangle"/>
+            </a:ln>
+          </p:spPr>
+          <p:style>
+            <a:lnRef idx="1">
+              <a:schemeClr val="accent1"/>
+            </a:lnRef>
+            <a:fillRef idx="0">
+              <a:schemeClr val="accent1"/>
+            </a:fillRef>
+            <a:effectRef idx="0">
+              <a:schemeClr val="accent1"/>
+            </a:effectRef>
+            <a:fontRef idx="minor">
+              <a:schemeClr val="tx1"/>
+            </a:fontRef>
+          </p:style>
+        </p:cxnSp>
+        <p:sp>
+          <p:nvSpPr>
+            <p:cNvPr id="219" name="Oval 218"/>
+            <p:cNvSpPr/>
+            <p:nvPr/>
+          </p:nvSpPr>
+          <p:spPr>
+            <a:xfrm>
+              <a:off x="2289448" y="634501"/>
+              <a:ext cx="360000" cy="360000"/>
+            </a:xfrm>
+            <a:prstGeom prst="ellipse">
+              <a:avLst/>
+            </a:prstGeom>
+            <a:solidFill>
+              <a:schemeClr val="tx1"/>
+            </a:solidFill>
+            <a:ln>
+              <a:solidFill>
+                <a:schemeClr val="tx1"/>
+              </a:solidFill>
+            </a:ln>
+          </p:spPr>
+          <p:style>
+            <a:lnRef idx="2">
+              <a:schemeClr val="accent1">
+                <a:shade val="50000"/>
+              </a:schemeClr>
+            </a:lnRef>
+            <a:fillRef idx="1">
+              <a:schemeClr val="accent1"/>
+            </a:fillRef>
+            <a:effectRef idx="0">
+              <a:schemeClr val="accent1"/>
+            </a:effectRef>
+            <a:fontRef idx="minor">
+              <a:schemeClr val="lt1"/>
+            </a:fontRef>
+          </p:style>
+          <p:txBody>
+            <a:bodyPr rtlCol="0" anchor="ctr"/>
+            <a:lstStyle/>
+            <a:p>
+              <a:pPr algn="ctr"/>
+              <a:endParaRPr lang="en-GB"/>
+            </a:p>
+          </p:txBody>
+        </p:sp>
+        <p:cxnSp>
+          <p:nvCxnSpPr>
+            <p:cNvPr id="220" name="Straight Arrow Connector 219"/>
+            <p:cNvCxnSpPr>
+              <a:stCxn id="219" idx="6"/>
+              <a:endCxn id="4" idx="1"/>
+            </p:cNvCxnSpPr>
+            <p:nvPr/>
+          </p:nvCxnSpPr>
+          <p:spPr>
+            <a:xfrm>
+              <a:off x="2649448" y="814501"/>
+              <a:ext cx="1403223" cy="1"/>
+            </a:xfrm>
+            <a:prstGeom prst="straightConnector1">
+              <a:avLst/>
+            </a:prstGeom>
+            <a:ln w="19050">
+              <a:solidFill>
+                <a:schemeClr val="tx1"/>
+              </a:solidFill>
+              <a:tailEnd type="triangle"/>
+            </a:ln>
+          </p:spPr>
+          <p:style>
+            <a:lnRef idx="1">
+              <a:schemeClr val="accent1"/>
+            </a:lnRef>
+            <a:fillRef idx="0">
+              <a:schemeClr val="accent1"/>
+            </a:fillRef>
+            <a:effectRef idx="0">
+              <a:schemeClr val="accent1"/>
+            </a:effectRef>
+            <a:fontRef idx="minor">
+              <a:schemeClr val="tx1"/>
+            </a:fontRef>
+          </p:style>
+        </p:cxnSp>
+        <p:cxnSp>
+          <p:nvCxnSpPr>
+            <p:cNvPr id="229" name="Straight Arrow Connector 228"/>
+            <p:cNvCxnSpPr>
+              <a:stCxn id="219" idx="4"/>
+              <a:endCxn id="12" idx="0"/>
+            </p:cNvCxnSpPr>
+            <p:nvPr/>
+          </p:nvCxnSpPr>
+          <p:spPr>
+            <a:xfrm>
+              <a:off x="2469448" y="994501"/>
+              <a:ext cx="0" cy="1085636"/>
+            </a:xfrm>
+            <a:prstGeom prst="straightConnector1">
+              <a:avLst/>
+            </a:prstGeom>
+            <a:ln w="19050">
+              <a:solidFill>
+                <a:schemeClr val="tx1"/>
+              </a:solidFill>
+              <a:tailEnd type="triangle"/>
+            </a:ln>
+          </p:spPr>
+          <p:style>
+            <a:lnRef idx="1">
+              <a:schemeClr val="accent1"/>
+            </a:lnRef>
+            <a:fillRef idx="0">
+              <a:schemeClr val="accent1"/>
+            </a:fillRef>
+            <a:effectRef idx="0">
+              <a:schemeClr val="accent1"/>
+            </a:effectRef>
+            <a:fontRef idx="minor">
+              <a:schemeClr val="tx1"/>
+            </a:fontRef>
+          </p:style>
+        </p:cxnSp>
+      </p:grpSp>
+      <p:sp>
+        <p:nvSpPr>
+          <p:cNvPr id="38" name="Rounded Rectangle 37"/>
+          <p:cNvSpPr/>
+          <p:nvPr/>
+        </p:nvSpPr>
+        <p:spPr>
+          <a:xfrm>
+            <a:off x="4818871" y="5440746"/>
+            <a:ext cx="1061606" cy="542491"/>
+          </a:xfrm>
+          <a:prstGeom prst="roundRect">
+            <a:avLst/>
+          </a:prstGeom>
+        </p:spPr>
+        <p:style>
+          <a:lnRef idx="2">
+            <a:schemeClr val="accent1">
+              <a:shade val="50000"/>
+            </a:schemeClr>
+          </a:lnRef>
+          <a:fillRef idx="1">
+            <a:schemeClr val="accent1"/>
+          </a:fillRef>
+          <a:effectRef idx="0">
+            <a:schemeClr val="accent1"/>
+          </a:effectRef>
+          <a:fontRef idx="minor">
+            <a:schemeClr val="lt1"/>
+          </a:fontRef>
+        </p:style>
+        <p:txBody>
+          <a:bodyPr rtlCol="0" anchor="ctr"/>
+          <a:lstStyle/>
+          <a:p>
+            <a:pPr algn="ctr"/>
+            <a:r>
+              <a:rPr lang="en-GB" sz="1200" b="0" i="0" u="none" strike="noStrike" baseline="0" dirty="0" smtClean="0">
+                <a:latin typeface="CMR10"/>
+              </a:rPr>
+              <a:t>Association </a:t>
+            </a:r>
+            <a:r>
+              <a:rPr lang="en-GB" sz="1200" b="0" i="0" u="none" strike="noStrike" baseline="0" dirty="0" smtClean="0">
+                <a:latin typeface="CMR10"/>
+              </a:rPr>
+              <a:t>analyser Twitter</a:t>
+            </a:r>
+            <a:endParaRPr lang="en-GB" sz="1200" b="0" i="0" u="none" strike="noStrike" baseline="0" dirty="0" smtClean="0">
+              <a:latin typeface="CMR10"/>
+            </a:endParaRPr>
+          </a:p>
+        </p:txBody>
+      </p:sp>
+      <p:cxnSp>
+        <p:nvCxnSpPr>
+          <p:cNvPr id="39" name="Elbow Connector 38"/>
+          <p:cNvCxnSpPr>
+            <a:stCxn id="9" idx="1"/>
+            <a:endCxn id="38" idx="3"/>
+          </p:cNvCxnSpPr>
+          <p:nvPr/>
+        </p:nvCxnSpPr>
+        <p:spPr>
+          <a:xfrm rot="10800000" flipV="1">
+            <a:off x="5880478" y="5519294"/>
+            <a:ext cx="753345" cy="192697"/>
+          </a:xfrm>
+          <a:prstGeom prst="bentConnector3">
+            <a:avLst>
+              <a:gd name="adj1" fmla="val 50000"/>
+            </a:avLst>
+          </a:prstGeom>
+          <a:ln w="19050">
+            <a:solidFill>
+              <a:schemeClr val="tx1"/>
+            </a:solidFill>
+            <a:tailEnd type="triangle"/>
+          </a:ln>
+        </p:spPr>
+        <p:style>
+          <a:lnRef idx="1">
+            <a:schemeClr val="accent1"/>
+          </a:lnRef>
+          <a:fillRef idx="0">
+            <a:schemeClr val="accent1"/>
+          </a:fillRef>
+          <a:effectRef idx="0">
+            <a:schemeClr val="accent1"/>
+          </a:effectRef>
+          <a:fontRef idx="minor">
+            <a:schemeClr val="tx1"/>
+          </a:fontRef>
+        </p:style>
+      </p:cxnSp>
+      <p:sp>
+        <p:nvSpPr>
+          <p:cNvPr id="55" name="Rounded Rectangle 54"/>
+          <p:cNvSpPr/>
+          <p:nvPr/>
+        </p:nvSpPr>
+        <p:spPr>
+          <a:xfrm>
+            <a:off x="3011091" y="5440747"/>
+            <a:ext cx="1061606" cy="542491"/>
+          </a:xfrm>
+          <a:prstGeom prst="roundRect">
+            <a:avLst/>
+          </a:prstGeom>
+        </p:spPr>
+        <p:style>
+          <a:lnRef idx="2">
+            <a:schemeClr val="accent1">
+              <a:shade val="50000"/>
+            </a:schemeClr>
+          </a:lnRef>
+          <a:fillRef idx="1">
+            <a:schemeClr val="accent1"/>
+          </a:fillRef>
+          <a:effectRef idx="0">
+            <a:schemeClr val="accent1"/>
+          </a:effectRef>
+          <a:fontRef idx="minor">
+            <a:schemeClr val="lt1"/>
+          </a:fontRef>
+        </p:style>
+        <p:txBody>
+          <a:bodyPr rtlCol="0" anchor="ctr"/>
+          <a:lstStyle/>
+          <a:p>
+            <a:pPr algn="ctr"/>
+            <a:r>
+              <a:rPr lang="en-GB" sz="1200" b="0" i="0" u="none" strike="noStrike" baseline="0" dirty="0" smtClean="0">
+                <a:latin typeface="CMR10"/>
+              </a:rPr>
+              <a:t>GUI</a:t>
+            </a:r>
+            <a:endParaRPr lang="en-GB" sz="1200" b="0" i="0" u="none" strike="noStrike" baseline="0" dirty="0" smtClean="0">
+              <a:latin typeface="CMR10"/>
+            </a:endParaRPr>
+          </a:p>
+        </p:txBody>
+      </p:sp>
+      <p:cxnSp>
+        <p:nvCxnSpPr>
+          <p:cNvPr id="56" name="Straight Arrow Connector 55"/>
+          <p:cNvCxnSpPr>
+            <a:stCxn id="13" idx="2"/>
+            <a:endCxn id="55" idx="0"/>
+          </p:cNvCxnSpPr>
+          <p:nvPr/>
+        </p:nvCxnSpPr>
+        <p:spPr>
+          <a:xfrm flipH="1">
+            <a:off x="3541894" y="4958479"/>
+            <a:ext cx="593834" cy="482268"/>
+          </a:xfrm>
+          <a:prstGeom prst="straightConnector1">
+            <a:avLst/>
+          </a:prstGeom>
+          <a:ln w="19050">
+            <a:solidFill>
+              <a:schemeClr val="tx1"/>
+            </a:solidFill>
+            <a:tailEnd type="triangle"/>
+          </a:ln>
+        </p:spPr>
+        <p:style>
+          <a:lnRef idx="1">
+            <a:schemeClr val="accent1"/>
+          </a:lnRef>
+          <a:fillRef idx="0">
+            <a:schemeClr val="accent1"/>
+          </a:fillRef>
+          <a:effectRef idx="0">
+            <a:schemeClr val="accent1"/>
+          </a:effectRef>
+          <a:fontRef idx="minor">
+            <a:schemeClr val="tx1"/>
+          </a:fontRef>
+        </p:style>
+      </p:cxnSp>
+      <p:cxnSp>
+        <p:nvCxnSpPr>
+          <p:cNvPr id="57" name="Straight Arrow Connector 56"/>
+          <p:cNvCxnSpPr>
+            <a:stCxn id="38" idx="1"/>
+            <a:endCxn id="55" idx="3"/>
+          </p:cNvCxnSpPr>
+          <p:nvPr/>
+        </p:nvCxnSpPr>
+        <p:spPr>
+          <a:xfrm flipH="1">
+            <a:off x="4072697" y="5711992"/>
+            <a:ext cx="746174" cy="1"/>
+          </a:xfrm>
+          <a:prstGeom prst="straightConnector1">
+            <a:avLst/>
+          </a:prstGeom>
+          <a:ln w="19050">
+            <a:solidFill>
+              <a:schemeClr val="tx1"/>
+            </a:solidFill>
+            <a:tailEnd type="triangle"/>
+          </a:ln>
+        </p:spPr>
+        <p:style>
+          <a:lnRef idx="1">
+            <a:schemeClr val="accent1"/>
+          </a:lnRef>
+          <a:fillRef idx="0">
+            <a:schemeClr val="accent1"/>
+          </a:fillRef>
+          <a:effectRef idx="0">
+            <a:schemeClr val="accent1"/>
+          </a:effectRef>
+          <a:fontRef idx="minor">
+            <a:schemeClr val="tx1"/>
+          </a:fontRef>
+        </p:style>
+      </p:cxnSp>
+    </p:spTree>
+    <p:extLst>
+      <p:ext uri="{BB962C8B-B14F-4D97-AF65-F5344CB8AC3E}">
+        <p14:creationId xmlns:p14="http://schemas.microsoft.com/office/powerpoint/2010/main" xmlns="" val="3122238582"/>
       </p:ext>
     </p:extLst>
   </p:cSld>
@@ -5834,7 +7247,7 @@
     </a:clrScheme>
     <a:fontScheme name="Office">
       <a:majorFont>
-        <a:latin typeface="Calibri Light" panose="020F0302020204030204"/>
+        <a:latin typeface="Calibri Light"/>
         <a:ea typeface=""/>
         <a:cs typeface=""/>
         <a:font script="Jpan" typeface="ＭＳ Ｐゴシック"/>
@@ -5869,7 +7282,7 @@
         <a:font script="Geor" typeface="Sylfaen"/>
       </a:majorFont>
       <a:minorFont>
-        <a:latin typeface="Calibri" panose="020F0502020204030204"/>
+        <a:latin typeface="Calibri"/>
         <a:ea typeface=""/>
         <a:cs typeface=""/>
         <a:font script="Jpan" typeface="ＭＳ Ｐゴシック"/>
@@ -6046,7 +7459,7 @@
   <a:extraClrSchemeLst/>
   <a:extLst>
     <a:ext uri="{05A4C25C-085E-4340-85A3-A5531E510DB2}">
-      <thm15:themeFamily xmlns:thm15="http://schemas.microsoft.com/office/thememl/2012/main" name="Office Theme" id="{62F939B6-93AF-4DB8-9C6B-D6C7DFDC589F}" vid="{4A3C46E8-61CC-4603-A589-7422A47A8E4A}"/>
+      <thm15:themeFamily xmlns:thm15="http://schemas.microsoft.com/office/thememl/2012/main" xmlns="" name="Office Theme" id="{62F939B6-93AF-4DB8-9C6B-D6C7DFDC589F}" vid="{4A3C46E8-61CC-4603-A589-7422A47A8E4A}"/>
     </a:ext>
   </a:extLst>
 </a:theme>

--- a/Report/Images/Architecture plaatje.pptx
+++ b/Report/Images/Architecture plaatje.pptx
@@ -107,6 +107,22 @@
       </a:defRPr>
     </a:lvl9pPr>
   </p:defaultTextStyle>
+  <p:extLst>
+    <p:ext uri="{EFAFB233-063F-42B5-8137-9DF3F51BA10A}">
+      <p15:sldGuideLst xmlns:p15="http://schemas.microsoft.com/office/powerpoint/2012/main">
+        <p15:guide id="1" orient="horz" pos="2160">
+          <p15:clr>
+            <a:srgbClr val="A4A3A4"/>
+          </p15:clr>
+        </p15:guide>
+        <p15:guide id="2" pos="3840">
+          <p15:clr>
+            <a:srgbClr val="A4A3A4"/>
+          </p15:clr>
+        </p15:guide>
+      </p15:sldGuideLst>
+    </p:ext>
+  </p:extLst>
 </p:presentation>
 </file>
 
@@ -242,7 +258,7 @@
             <a:fld id="{4EA3B149-8D50-44C1-AD4C-C0EBDED1C9D6}" type="datetimeFigureOut">
               <a:rPr lang="en-GB" smtClean="0"/>
               <a:pPr/>
-              <a:t>23/10/2015</a:t>
+              <a:t>25/10/2015</a:t>
             </a:fld>
             <a:endParaRPr lang="en-GB"/>
           </a:p>
@@ -294,7 +310,7 @@
     </p:spTree>
     <p:extLst>
       <p:ext uri="{BB962C8B-B14F-4D97-AF65-F5344CB8AC3E}">
-        <p14:creationId xmlns:p14="http://schemas.microsoft.com/office/powerpoint/2010/main" xmlns="" val="3282415694"/>
+        <p14:creationId xmlns:p14="http://schemas.microsoft.com/office/powerpoint/2010/main" val="3282415694"/>
       </p:ext>
     </p:extLst>
   </p:cSld>
@@ -414,7 +430,7 @@
             <a:fld id="{4EA3B149-8D50-44C1-AD4C-C0EBDED1C9D6}" type="datetimeFigureOut">
               <a:rPr lang="en-GB" smtClean="0"/>
               <a:pPr/>
-              <a:t>23/10/2015</a:t>
+              <a:t>25/10/2015</a:t>
             </a:fld>
             <a:endParaRPr lang="en-GB"/>
           </a:p>
@@ -466,7 +482,7 @@
     </p:spTree>
     <p:extLst>
       <p:ext uri="{BB962C8B-B14F-4D97-AF65-F5344CB8AC3E}">
-        <p14:creationId xmlns:p14="http://schemas.microsoft.com/office/powerpoint/2010/main" xmlns="" val="652912909"/>
+        <p14:creationId xmlns:p14="http://schemas.microsoft.com/office/powerpoint/2010/main" val="652912909"/>
       </p:ext>
     </p:extLst>
   </p:cSld>
@@ -596,7 +612,7 @@
             <a:fld id="{4EA3B149-8D50-44C1-AD4C-C0EBDED1C9D6}" type="datetimeFigureOut">
               <a:rPr lang="en-GB" smtClean="0"/>
               <a:pPr/>
-              <a:t>23/10/2015</a:t>
+              <a:t>25/10/2015</a:t>
             </a:fld>
             <a:endParaRPr lang="en-GB"/>
           </a:p>
@@ -648,7 +664,7 @@
     </p:spTree>
     <p:extLst>
       <p:ext uri="{BB962C8B-B14F-4D97-AF65-F5344CB8AC3E}">
-        <p14:creationId xmlns:p14="http://schemas.microsoft.com/office/powerpoint/2010/main" xmlns="" val="3542601984"/>
+        <p14:creationId xmlns:p14="http://schemas.microsoft.com/office/powerpoint/2010/main" val="3542601984"/>
       </p:ext>
     </p:extLst>
   </p:cSld>
@@ -768,7 +784,7 @@
             <a:fld id="{4EA3B149-8D50-44C1-AD4C-C0EBDED1C9D6}" type="datetimeFigureOut">
               <a:rPr lang="en-GB" smtClean="0"/>
               <a:pPr/>
-              <a:t>23/10/2015</a:t>
+              <a:t>25/10/2015</a:t>
             </a:fld>
             <a:endParaRPr lang="en-GB"/>
           </a:p>
@@ -820,7 +836,7 @@
     </p:spTree>
     <p:extLst>
       <p:ext uri="{BB962C8B-B14F-4D97-AF65-F5344CB8AC3E}">
-        <p14:creationId xmlns:p14="http://schemas.microsoft.com/office/powerpoint/2010/main" xmlns="" val="616423508"/>
+        <p14:creationId xmlns:p14="http://schemas.microsoft.com/office/powerpoint/2010/main" val="616423508"/>
       </p:ext>
     </p:extLst>
   </p:cSld>
@@ -1016,7 +1032,7 @@
             <a:fld id="{4EA3B149-8D50-44C1-AD4C-C0EBDED1C9D6}" type="datetimeFigureOut">
               <a:rPr lang="en-GB" smtClean="0"/>
               <a:pPr/>
-              <a:t>23/10/2015</a:t>
+              <a:t>25/10/2015</a:t>
             </a:fld>
             <a:endParaRPr lang="en-GB"/>
           </a:p>
@@ -1068,7 +1084,7 @@
     </p:spTree>
     <p:extLst>
       <p:ext uri="{BB962C8B-B14F-4D97-AF65-F5344CB8AC3E}">
-        <p14:creationId xmlns:p14="http://schemas.microsoft.com/office/powerpoint/2010/main" xmlns="" val="336526782"/>
+        <p14:creationId xmlns:p14="http://schemas.microsoft.com/office/powerpoint/2010/main" val="336526782"/>
       </p:ext>
     </p:extLst>
   </p:cSld>
@@ -1250,7 +1266,7 @@
             <a:fld id="{4EA3B149-8D50-44C1-AD4C-C0EBDED1C9D6}" type="datetimeFigureOut">
               <a:rPr lang="en-GB" smtClean="0"/>
               <a:pPr/>
-              <a:t>23/10/2015</a:t>
+              <a:t>25/10/2015</a:t>
             </a:fld>
             <a:endParaRPr lang="en-GB"/>
           </a:p>
@@ -1302,7 +1318,7 @@
     </p:spTree>
     <p:extLst>
       <p:ext uri="{BB962C8B-B14F-4D97-AF65-F5344CB8AC3E}">
-        <p14:creationId xmlns:p14="http://schemas.microsoft.com/office/powerpoint/2010/main" xmlns="" val="503357626"/>
+        <p14:creationId xmlns:p14="http://schemas.microsoft.com/office/powerpoint/2010/main" val="503357626"/>
       </p:ext>
     </p:extLst>
   </p:cSld>
@@ -1619,7 +1635,7 @@
             <a:fld id="{4EA3B149-8D50-44C1-AD4C-C0EBDED1C9D6}" type="datetimeFigureOut">
               <a:rPr lang="en-GB" smtClean="0"/>
               <a:pPr/>
-              <a:t>23/10/2015</a:t>
+              <a:t>25/10/2015</a:t>
             </a:fld>
             <a:endParaRPr lang="en-GB"/>
           </a:p>
@@ -1671,7 +1687,7 @@
     </p:spTree>
     <p:extLst>
       <p:ext uri="{BB962C8B-B14F-4D97-AF65-F5344CB8AC3E}">
-        <p14:creationId xmlns:p14="http://schemas.microsoft.com/office/powerpoint/2010/main" xmlns="" val="2782734308"/>
+        <p14:creationId xmlns:p14="http://schemas.microsoft.com/office/powerpoint/2010/main" val="2782734308"/>
       </p:ext>
     </p:extLst>
   </p:cSld>
@@ -1739,7 +1755,7 @@
             <a:fld id="{4EA3B149-8D50-44C1-AD4C-C0EBDED1C9D6}" type="datetimeFigureOut">
               <a:rPr lang="en-GB" smtClean="0"/>
               <a:pPr/>
-              <a:t>23/10/2015</a:t>
+              <a:t>25/10/2015</a:t>
             </a:fld>
             <a:endParaRPr lang="en-GB"/>
           </a:p>
@@ -1791,7 +1807,7 @@
     </p:spTree>
     <p:extLst>
       <p:ext uri="{BB962C8B-B14F-4D97-AF65-F5344CB8AC3E}">
-        <p14:creationId xmlns:p14="http://schemas.microsoft.com/office/powerpoint/2010/main" xmlns="" val="1435716037"/>
+        <p14:creationId xmlns:p14="http://schemas.microsoft.com/office/powerpoint/2010/main" val="1435716037"/>
       </p:ext>
     </p:extLst>
   </p:cSld>
@@ -1836,7 +1852,7 @@
             <a:fld id="{4EA3B149-8D50-44C1-AD4C-C0EBDED1C9D6}" type="datetimeFigureOut">
               <a:rPr lang="en-GB" smtClean="0"/>
               <a:pPr/>
-              <a:t>23/10/2015</a:t>
+              <a:t>25/10/2015</a:t>
             </a:fld>
             <a:endParaRPr lang="en-GB"/>
           </a:p>
@@ -1888,7 +1904,7 @@
     </p:spTree>
     <p:extLst>
       <p:ext uri="{BB962C8B-B14F-4D97-AF65-F5344CB8AC3E}">
-        <p14:creationId xmlns:p14="http://schemas.microsoft.com/office/powerpoint/2010/main" xmlns="" val="1139805188"/>
+        <p14:creationId xmlns:p14="http://schemas.microsoft.com/office/powerpoint/2010/main" val="1139805188"/>
       </p:ext>
     </p:extLst>
   </p:cSld>
@@ -2115,7 +2131,7 @@
             <a:fld id="{4EA3B149-8D50-44C1-AD4C-C0EBDED1C9D6}" type="datetimeFigureOut">
               <a:rPr lang="en-GB" smtClean="0"/>
               <a:pPr/>
-              <a:t>23/10/2015</a:t>
+              <a:t>25/10/2015</a:t>
             </a:fld>
             <a:endParaRPr lang="en-GB"/>
           </a:p>
@@ -2167,7 +2183,7 @@
     </p:spTree>
     <p:extLst>
       <p:ext uri="{BB962C8B-B14F-4D97-AF65-F5344CB8AC3E}">
-        <p14:creationId xmlns:p14="http://schemas.microsoft.com/office/powerpoint/2010/main" xmlns="" val="2251535157"/>
+        <p14:creationId xmlns:p14="http://schemas.microsoft.com/office/powerpoint/2010/main" val="2251535157"/>
       </p:ext>
     </p:extLst>
   </p:cSld>
@@ -2370,7 +2386,7 @@
             <a:fld id="{4EA3B149-8D50-44C1-AD4C-C0EBDED1C9D6}" type="datetimeFigureOut">
               <a:rPr lang="en-GB" smtClean="0"/>
               <a:pPr/>
-              <a:t>23/10/2015</a:t>
+              <a:t>25/10/2015</a:t>
             </a:fld>
             <a:endParaRPr lang="en-GB"/>
           </a:p>
@@ -2422,7 +2438,7 @@
     </p:spTree>
     <p:extLst>
       <p:ext uri="{BB962C8B-B14F-4D97-AF65-F5344CB8AC3E}">
-        <p14:creationId xmlns:p14="http://schemas.microsoft.com/office/powerpoint/2010/main" xmlns="" val="1149123372"/>
+        <p14:creationId xmlns:p14="http://schemas.microsoft.com/office/powerpoint/2010/main" val="1149123372"/>
       </p:ext>
     </p:extLst>
   </p:cSld>
@@ -2585,7 +2601,7 @@
             <a:fld id="{4EA3B149-8D50-44C1-AD4C-C0EBDED1C9D6}" type="datetimeFigureOut">
               <a:rPr lang="en-GB" smtClean="0"/>
               <a:pPr/>
-              <a:t>23/10/2015</a:t>
+              <a:t>25/10/2015</a:t>
             </a:fld>
             <a:endParaRPr lang="en-GB"/>
           </a:p>
@@ -2673,7 +2689,7 @@
     </p:spTree>
     <p:extLst>
       <p:ext uri="{BB962C8B-B14F-4D97-AF65-F5344CB8AC3E}">
-        <p14:creationId xmlns:p14="http://schemas.microsoft.com/office/powerpoint/2010/main" xmlns="" val="3688675907"/>
+        <p14:creationId xmlns:p14="http://schemas.microsoft.com/office/powerpoint/2010/main" val="3688675907"/>
       </p:ext>
     </p:extLst>
   </p:cSld>
@@ -4210,7 +4226,7 @@
     </p:spTree>
     <p:extLst>
       <p:ext uri="{BB962C8B-B14F-4D97-AF65-F5344CB8AC3E}">
-        <p14:creationId xmlns:p14="http://schemas.microsoft.com/office/powerpoint/2010/main" xmlns="" val="226816729"/>
+        <p14:creationId xmlns:p14="http://schemas.microsoft.com/office/powerpoint/2010/main" val="226816729"/>
       </p:ext>
     </p:extLst>
   </p:cSld>
@@ -4264,7 +4280,7 @@
     </p:spTree>
     <p:extLst>
       <p:ext uri="{BB962C8B-B14F-4D97-AF65-F5344CB8AC3E}">
-        <p14:creationId xmlns:p14="http://schemas.microsoft.com/office/powerpoint/2010/main" xmlns="" val="510325788"/>
+        <p14:creationId xmlns:p14="http://schemas.microsoft.com/office/powerpoint/2010/main" val="510325788"/>
       </p:ext>
     </p:extLst>
   </p:cSld>
@@ -5758,7 +5774,7 @@
     </p:spTree>
     <p:extLst>
       <p:ext uri="{BB962C8B-B14F-4D97-AF65-F5344CB8AC3E}">
-        <p14:creationId xmlns:p14="http://schemas.microsoft.com/office/powerpoint/2010/main" xmlns="" val="3122238582"/>
+        <p14:creationId xmlns:p14="http://schemas.microsoft.com/office/powerpoint/2010/main" val="3122238582"/>
       </p:ext>
     </p:extLst>
   </p:cSld>
@@ -5787,28 +5803,1241 @@
       </p:grpSpPr>
       <p:grpSp>
         <p:nvGrpSpPr>
-          <p:cNvPr id="2" name="Group 234"/>
+          <p:cNvPr id="225" name="Group 224"/>
           <p:cNvGrpSpPr/>
           <p:nvPr/>
         </p:nvGrpSpPr>
         <p:grpSpPr>
           <a:xfrm>
             <a:off x="1040493" y="544362"/>
-            <a:ext cx="7843423" cy="5242462"/>
+            <a:ext cx="7843423" cy="5438876"/>
             <a:chOff x="1040493" y="544362"/>
-            <a:chExt cx="7843423" cy="5242462"/>
+            <a:chExt cx="7843423" cy="5438876"/>
           </a:xfrm>
         </p:grpSpPr>
+        <p:grpSp>
+          <p:nvGrpSpPr>
+            <p:cNvPr id="2" name="Group 234"/>
+            <p:cNvGrpSpPr/>
+            <p:nvPr/>
+          </p:nvGrpSpPr>
+          <p:grpSpPr>
+            <a:xfrm>
+              <a:off x="1040493" y="544362"/>
+              <a:ext cx="7843423" cy="5242462"/>
+              <a:chOff x="1040493" y="544362"/>
+              <a:chExt cx="7843423" cy="5242462"/>
+            </a:xfrm>
+          </p:grpSpPr>
+          <p:sp>
+            <p:nvSpPr>
+              <p:cNvPr id="4" name="Rounded Rectangle 3"/>
+              <p:cNvSpPr/>
+              <p:nvPr/>
+            </p:nvSpPr>
+            <p:spPr>
+              <a:xfrm>
+                <a:off x="4052671" y="544362"/>
+                <a:ext cx="1256830" cy="540279"/>
+              </a:xfrm>
+              <a:prstGeom prst="roundRect">
+                <a:avLst/>
+              </a:prstGeom>
+            </p:spPr>
+            <p:style>
+              <a:lnRef idx="2">
+                <a:schemeClr val="accent1">
+                  <a:shade val="50000"/>
+                </a:schemeClr>
+              </a:lnRef>
+              <a:fillRef idx="1">
+                <a:schemeClr val="accent1"/>
+              </a:fillRef>
+              <a:effectRef idx="0">
+                <a:schemeClr val="accent1"/>
+              </a:effectRef>
+              <a:fontRef idx="minor">
+                <a:schemeClr val="lt1"/>
+              </a:fontRef>
+            </p:style>
+            <p:txBody>
+              <a:bodyPr rtlCol="0" anchor="ctr"/>
+              <a:lstStyle/>
+              <a:p>
+                <a:pPr algn="ctr"/>
+                <a:r>
+                  <a:rPr lang="en-GB" sz="1200" b="0" i="0" u="none" strike="noStrike" baseline="0" dirty="0" smtClean="0">
+                    <a:latin typeface="CMR10"/>
+                  </a:rPr>
+                  <a:t>Collect P2000 notifications</a:t>
+                </a:r>
+              </a:p>
+            </p:txBody>
+          </p:sp>
+          <p:sp>
+            <p:nvSpPr>
+              <p:cNvPr id="6" name="Rounded Rectangle 5"/>
+              <p:cNvSpPr/>
+              <p:nvPr/>
+            </p:nvSpPr>
+            <p:spPr>
+              <a:xfrm>
+                <a:off x="3962530" y="2199819"/>
+                <a:ext cx="1443613" cy="540279"/>
+              </a:xfrm>
+              <a:prstGeom prst="roundRect">
+                <a:avLst/>
+              </a:prstGeom>
+            </p:spPr>
+            <p:style>
+              <a:lnRef idx="2">
+                <a:schemeClr val="accent1">
+                  <a:shade val="50000"/>
+                </a:schemeClr>
+              </a:lnRef>
+              <a:fillRef idx="1">
+                <a:schemeClr val="accent1"/>
+              </a:fillRef>
+              <a:effectRef idx="0">
+                <a:schemeClr val="accent1"/>
+              </a:effectRef>
+              <a:fontRef idx="minor">
+                <a:schemeClr val="lt1"/>
+              </a:fontRef>
+            </p:style>
+            <p:txBody>
+              <a:bodyPr rtlCol="0" anchor="ctr"/>
+              <a:lstStyle/>
+              <a:p>
+                <a:pPr algn="ctr"/>
+                <a:r>
+                  <a:rPr lang="en-US" sz="1200" b="0" i="0" u="none" strike="noStrike" baseline="0" dirty="0" smtClean="0">
+                    <a:latin typeface="CMR10"/>
+                  </a:rPr>
+                  <a:t>Indexing of </a:t>
+                </a:r>
+                <a:r>
+                  <a:rPr lang="en-GB" sz="1200" b="0" i="0" u="none" strike="noStrike" baseline="0" dirty="0" smtClean="0">
+                    <a:latin typeface="CMR10"/>
+                  </a:rPr>
+                  <a:t>notifications</a:t>
+                </a:r>
+                <a:endParaRPr lang="en-GB" sz="1200" dirty="0"/>
+              </a:p>
+            </p:txBody>
+          </p:sp>
+          <p:sp>
+            <p:nvSpPr>
+              <p:cNvPr id="7" name="Rounded Rectangle 6"/>
+              <p:cNvSpPr/>
+              <p:nvPr/>
+            </p:nvSpPr>
+            <p:spPr>
+              <a:xfrm>
+                <a:off x="1040493" y="3292016"/>
+                <a:ext cx="1627230" cy="540280"/>
+              </a:xfrm>
+              <a:prstGeom prst="roundRect">
+                <a:avLst/>
+              </a:prstGeom>
+            </p:spPr>
+            <p:style>
+              <a:lnRef idx="2">
+                <a:schemeClr val="accent1">
+                  <a:shade val="50000"/>
+                </a:schemeClr>
+              </a:lnRef>
+              <a:fillRef idx="1">
+                <a:schemeClr val="accent1"/>
+              </a:fillRef>
+              <a:effectRef idx="0">
+                <a:schemeClr val="accent1"/>
+              </a:effectRef>
+              <a:fontRef idx="minor">
+                <a:schemeClr val="lt1"/>
+              </a:fontRef>
+            </p:style>
+            <p:txBody>
+              <a:bodyPr rtlCol="0" anchor="ctr"/>
+              <a:lstStyle/>
+              <a:p>
+                <a:pPr algn="ctr"/>
+                <a:r>
+                  <a:rPr lang="en-US" sz="1200" b="0" i="0" u="none" strike="noStrike" baseline="0" dirty="0" smtClean="0">
+                    <a:latin typeface="CMR10"/>
+                  </a:rPr>
+                  <a:t>Cluster notifications</a:t>
+                </a:r>
+              </a:p>
+            </p:txBody>
+          </p:sp>
+          <p:sp>
+            <p:nvSpPr>
+              <p:cNvPr id="8" name="Rounded Rectangle 7"/>
+              <p:cNvSpPr/>
+              <p:nvPr/>
+            </p:nvSpPr>
+            <p:spPr>
+              <a:xfrm>
+                <a:off x="5917586" y="2777766"/>
+                <a:ext cx="1487934" cy="542491"/>
+              </a:xfrm>
+              <a:prstGeom prst="roundRect">
+                <a:avLst/>
+              </a:prstGeom>
+            </p:spPr>
+            <p:style>
+              <a:lnRef idx="2">
+                <a:schemeClr val="accent1">
+                  <a:shade val="50000"/>
+                </a:schemeClr>
+              </a:lnRef>
+              <a:fillRef idx="1">
+                <a:schemeClr val="accent1"/>
+              </a:fillRef>
+              <a:effectRef idx="0">
+                <a:schemeClr val="accent1"/>
+              </a:effectRef>
+              <a:fontRef idx="minor">
+                <a:schemeClr val="lt1"/>
+              </a:fontRef>
+            </p:style>
+            <p:txBody>
+              <a:bodyPr rtlCol="0" anchor="ctr"/>
+              <a:lstStyle/>
+              <a:p>
+                <a:pPr algn="ctr"/>
+                <a:r>
+                  <a:rPr lang="en-GB" sz="1200" b="0" i="0" u="none" strike="noStrike" baseline="0" dirty="0" smtClean="0">
+                    <a:latin typeface="CMR10"/>
+                  </a:rPr>
+                  <a:t>Collect twitter data</a:t>
+                </a:r>
+              </a:p>
+            </p:txBody>
+          </p:sp>
+          <p:sp>
+            <p:nvSpPr>
+              <p:cNvPr id="9" name="Rounded Rectangle 8"/>
+              <p:cNvSpPr/>
+              <p:nvPr/>
+            </p:nvSpPr>
+            <p:spPr>
+              <a:xfrm>
+                <a:off x="6633822" y="5251766"/>
+                <a:ext cx="1939591" cy="535058"/>
+              </a:xfrm>
+              <a:prstGeom prst="roundRect">
+                <a:avLst/>
+              </a:prstGeom>
+            </p:spPr>
+            <p:style>
+              <a:lnRef idx="2">
+                <a:schemeClr val="accent1">
+                  <a:shade val="50000"/>
+                </a:schemeClr>
+              </a:lnRef>
+              <a:fillRef idx="1">
+                <a:schemeClr val="accent1"/>
+              </a:fillRef>
+              <a:effectRef idx="0">
+                <a:schemeClr val="accent1"/>
+              </a:effectRef>
+              <a:fontRef idx="minor">
+                <a:schemeClr val="lt1"/>
+              </a:fontRef>
+            </p:style>
+            <p:txBody>
+              <a:bodyPr rtlCol="0" anchor="ctr"/>
+              <a:lstStyle/>
+              <a:p>
+                <a:pPr algn="ctr"/>
+                <a:r>
+                  <a:rPr lang="en-GB" sz="1200" b="0" i="0" u="none" strike="noStrike" baseline="0" dirty="0" smtClean="0">
+                    <a:latin typeface="CMR10"/>
+                  </a:rPr>
+                  <a:t>Classify news</a:t>
+                </a:r>
+                <a:r>
+                  <a:rPr lang="en-GB" sz="1200" b="0" i="0" u="none" strike="noStrike" dirty="0" smtClean="0">
+                    <a:latin typeface="CMR10"/>
+                  </a:rPr>
+                  <a:t> feed / </a:t>
+                </a:r>
+                <a:r>
+                  <a:rPr lang="en-GB" sz="1200" dirty="0" smtClean="0">
+                    <a:latin typeface="CMR10"/>
+                  </a:rPr>
+                  <a:t>T</a:t>
+                </a:r>
+                <a:r>
+                  <a:rPr lang="en-GB" sz="1200" b="0" i="0" u="none" strike="noStrike" dirty="0" smtClean="0">
+                    <a:latin typeface="CMR10"/>
+                  </a:rPr>
+                  <a:t>witter data</a:t>
+                </a:r>
+                <a:endParaRPr lang="en-GB" sz="1200" b="0" i="0" u="none" strike="noStrike" baseline="0" dirty="0" smtClean="0">
+                  <a:latin typeface="CMR10"/>
+                </a:endParaRPr>
+              </a:p>
+            </p:txBody>
+          </p:sp>
+          <p:sp>
+            <p:nvSpPr>
+              <p:cNvPr id="12" name="Rounded Rectangle 11"/>
+              <p:cNvSpPr/>
+              <p:nvPr/>
+            </p:nvSpPr>
+            <p:spPr>
+              <a:xfrm>
+                <a:off x="1698172" y="2080137"/>
+                <a:ext cx="1542552" cy="783307"/>
+              </a:xfrm>
+              <a:prstGeom prst="roundRect">
+                <a:avLst/>
+              </a:prstGeom>
+            </p:spPr>
+            <p:style>
+              <a:lnRef idx="2">
+                <a:schemeClr val="accent1">
+                  <a:shade val="50000"/>
+                </a:schemeClr>
+              </a:lnRef>
+              <a:fillRef idx="1">
+                <a:schemeClr val="accent1"/>
+              </a:fillRef>
+              <a:effectRef idx="0">
+                <a:schemeClr val="accent1"/>
+              </a:effectRef>
+              <a:fontRef idx="minor">
+                <a:schemeClr val="lt1"/>
+              </a:fontRef>
+            </p:style>
+            <p:txBody>
+              <a:bodyPr rtlCol="0" anchor="ctr"/>
+              <a:lstStyle/>
+              <a:p>
+                <a:pPr algn="ctr"/>
+                <a:r>
+                  <a:rPr lang="en-GB" sz="1200" b="0" i="0" u="none" strike="noStrike" baseline="0" dirty="0" smtClean="0">
+                    <a:latin typeface="CMR10"/>
+                  </a:rPr>
+                  <a:t>Create database of P2000 Notification</a:t>
+                </a:r>
+                <a:r>
+                  <a:rPr lang="en-GB" sz="1200" b="0" i="0" u="none" strike="noStrike" dirty="0" smtClean="0">
+                    <a:latin typeface="CMR10"/>
+                  </a:rPr>
+                  <a:t> c</a:t>
+                </a:r>
+                <a:r>
+                  <a:rPr lang="en-GB" sz="1200" b="0" i="0" u="none" strike="noStrike" baseline="0" dirty="0" smtClean="0">
+                    <a:latin typeface="CMR10"/>
+                  </a:rPr>
+                  <a:t>odes</a:t>
+                </a:r>
+                <a:endParaRPr lang="en-GB" sz="1200" b="1" i="0" u="none" strike="noStrike" baseline="0" dirty="0" smtClean="0">
+                  <a:latin typeface="CMR10"/>
+                </a:endParaRPr>
+              </a:p>
+            </p:txBody>
+          </p:sp>
+          <p:sp>
+            <p:nvSpPr>
+              <p:cNvPr id="13" name="Rounded Rectangle 12"/>
+              <p:cNvSpPr/>
+              <p:nvPr/>
+            </p:nvSpPr>
+            <p:spPr>
+              <a:xfrm>
+                <a:off x="3423770" y="4415988"/>
+                <a:ext cx="1061606" cy="542491"/>
+              </a:xfrm>
+              <a:prstGeom prst="roundRect">
+                <a:avLst/>
+              </a:prstGeom>
+            </p:spPr>
+            <p:style>
+              <a:lnRef idx="2">
+                <a:schemeClr val="accent1">
+                  <a:shade val="50000"/>
+                </a:schemeClr>
+              </a:lnRef>
+              <a:fillRef idx="1">
+                <a:schemeClr val="accent1"/>
+              </a:fillRef>
+              <a:effectRef idx="0">
+                <a:schemeClr val="accent1"/>
+              </a:effectRef>
+              <a:fontRef idx="minor">
+                <a:schemeClr val="lt1"/>
+              </a:fontRef>
+            </p:style>
+            <p:txBody>
+              <a:bodyPr rtlCol="0" anchor="ctr"/>
+              <a:lstStyle/>
+              <a:p>
+                <a:pPr algn="ctr"/>
+                <a:r>
+                  <a:rPr lang="en-GB" sz="1200" b="0" i="0" u="none" strike="noStrike" baseline="0" dirty="0" smtClean="0">
+                    <a:latin typeface="CMR10"/>
+                  </a:rPr>
+                  <a:t>Association analyser  news</a:t>
+                </a:r>
+              </a:p>
+            </p:txBody>
+          </p:sp>
+          <p:sp>
+            <p:nvSpPr>
+              <p:cNvPr id="14" name="Rounded Rectangle 13"/>
+              <p:cNvSpPr/>
+              <p:nvPr/>
+            </p:nvSpPr>
+            <p:spPr>
+              <a:xfrm>
+                <a:off x="7043268" y="4494587"/>
+                <a:ext cx="1120700" cy="534352"/>
+              </a:xfrm>
+              <a:prstGeom prst="roundRect">
+                <a:avLst/>
+              </a:prstGeom>
+            </p:spPr>
+            <p:style>
+              <a:lnRef idx="2">
+                <a:schemeClr val="accent1">
+                  <a:shade val="50000"/>
+                </a:schemeClr>
+              </a:lnRef>
+              <a:fillRef idx="1">
+                <a:schemeClr val="accent1"/>
+              </a:fillRef>
+              <a:effectRef idx="0">
+                <a:schemeClr val="accent1"/>
+              </a:effectRef>
+              <a:fontRef idx="minor">
+                <a:schemeClr val="lt1"/>
+              </a:fontRef>
+            </p:style>
+            <p:txBody>
+              <a:bodyPr rtlCol="0" anchor="ctr"/>
+              <a:lstStyle/>
+              <a:p>
+                <a:pPr algn="ctr"/>
+                <a:r>
+                  <a:rPr lang="en-GB" sz="1200" b="0" i="0" u="none" strike="noStrike" baseline="0" dirty="0" smtClean="0">
+                    <a:latin typeface="CMR10"/>
+                  </a:rPr>
+                  <a:t>Indexing of news feed /</a:t>
+                </a:r>
+              </a:p>
+              <a:p>
+                <a:pPr algn="ctr"/>
+                <a:r>
+                  <a:rPr lang="en-GB" sz="1200" b="0" i="0" u="none" strike="noStrike" baseline="0" dirty="0" smtClean="0">
+                    <a:latin typeface="CMR10"/>
+                  </a:rPr>
+                  <a:t>twitter data</a:t>
+                </a:r>
+              </a:p>
+            </p:txBody>
+          </p:sp>
+          <p:sp>
+            <p:nvSpPr>
+              <p:cNvPr id="15" name="Rounded Rectangle 14"/>
+              <p:cNvSpPr/>
+              <p:nvPr/>
+            </p:nvSpPr>
+            <p:spPr>
+              <a:xfrm>
+                <a:off x="3250218" y="3289078"/>
+                <a:ext cx="1411957" cy="542491"/>
+              </a:xfrm>
+              <a:prstGeom prst="roundRect">
+                <a:avLst/>
+              </a:prstGeom>
+            </p:spPr>
+            <p:style>
+              <a:lnRef idx="2">
+                <a:schemeClr val="accent1">
+                  <a:shade val="50000"/>
+                </a:schemeClr>
+              </a:lnRef>
+              <a:fillRef idx="1">
+                <a:schemeClr val="accent1"/>
+              </a:fillRef>
+              <a:effectRef idx="0">
+                <a:schemeClr val="accent1"/>
+              </a:effectRef>
+              <a:fontRef idx="minor">
+                <a:schemeClr val="lt1"/>
+              </a:fontRef>
+            </p:style>
+            <p:txBody>
+              <a:bodyPr rtlCol="0" anchor="ctr"/>
+              <a:lstStyle/>
+              <a:p>
+                <a:pPr algn="ctr"/>
+                <a:r>
+                  <a:rPr lang="en-GB" sz="1200" b="0" i="0" u="none" strike="noStrike" baseline="0" dirty="0" smtClean="0">
+                    <a:latin typeface="CMR10"/>
+                  </a:rPr>
+                  <a:t>Classify P2000 notifications</a:t>
+                </a:r>
+                <a:endParaRPr lang="en-GB" sz="1200" dirty="0"/>
+              </a:p>
+            </p:txBody>
+          </p:sp>
+          <p:cxnSp>
+            <p:nvCxnSpPr>
+              <p:cNvPr id="18" name="Straight Arrow Connector 17"/>
+              <p:cNvCxnSpPr>
+                <a:stCxn id="12" idx="3"/>
+                <a:endCxn id="6" idx="1"/>
+              </p:cNvCxnSpPr>
+              <p:nvPr/>
+            </p:nvCxnSpPr>
+            <p:spPr>
+              <a:xfrm flipV="1">
+                <a:off x="3240724" y="2469959"/>
+                <a:ext cx="721806" cy="1832"/>
+              </a:xfrm>
+              <a:prstGeom prst="straightConnector1">
+                <a:avLst/>
+              </a:prstGeom>
+              <a:ln w="19050">
+                <a:solidFill>
+                  <a:schemeClr val="tx1"/>
+                </a:solidFill>
+                <a:tailEnd type="triangle"/>
+              </a:ln>
+            </p:spPr>
+            <p:style>
+              <a:lnRef idx="1">
+                <a:schemeClr val="accent1"/>
+              </a:lnRef>
+              <a:fillRef idx="0">
+                <a:schemeClr val="accent1"/>
+              </a:fillRef>
+              <a:effectRef idx="0">
+                <a:schemeClr val="accent1"/>
+              </a:effectRef>
+              <a:fontRef idx="minor">
+                <a:schemeClr val="tx1"/>
+              </a:fontRef>
+            </p:style>
+          </p:cxnSp>
+          <p:cxnSp>
+            <p:nvCxnSpPr>
+              <p:cNvPr id="20" name="Straight Arrow Connector 19"/>
+              <p:cNvCxnSpPr>
+                <a:stCxn id="4" idx="2"/>
+                <a:endCxn id="6" idx="0"/>
+              </p:cNvCxnSpPr>
+              <p:nvPr/>
+            </p:nvCxnSpPr>
+            <p:spPr>
+              <a:xfrm>
+                <a:off x="4681086" y="1084641"/>
+                <a:ext cx="3251" cy="1115178"/>
+              </a:xfrm>
+              <a:prstGeom prst="straightConnector1">
+                <a:avLst/>
+              </a:prstGeom>
+              <a:ln w="19050">
+                <a:solidFill>
+                  <a:schemeClr val="tx1"/>
+                </a:solidFill>
+                <a:tailEnd type="triangle"/>
+              </a:ln>
+            </p:spPr>
+            <p:style>
+              <a:lnRef idx="1">
+                <a:schemeClr val="accent1"/>
+              </a:lnRef>
+              <a:fillRef idx="0">
+                <a:schemeClr val="accent1"/>
+              </a:fillRef>
+              <a:effectRef idx="0">
+                <a:schemeClr val="accent1"/>
+              </a:effectRef>
+              <a:fontRef idx="minor">
+                <a:schemeClr val="tx1"/>
+              </a:fontRef>
+            </p:style>
+          </p:cxnSp>
+          <p:cxnSp>
+            <p:nvCxnSpPr>
+              <p:cNvPr id="21" name="Straight Arrow Connector 20"/>
+              <p:cNvCxnSpPr>
+                <a:stCxn id="31" idx="2"/>
+                <a:endCxn id="14" idx="0"/>
+              </p:cNvCxnSpPr>
+              <p:nvPr/>
+            </p:nvCxnSpPr>
+            <p:spPr>
+              <a:xfrm flipH="1">
+                <a:off x="7603618" y="4271760"/>
+                <a:ext cx="1" cy="222827"/>
+              </a:xfrm>
+              <a:prstGeom prst="straightConnector1">
+                <a:avLst/>
+              </a:prstGeom>
+              <a:ln w="19050">
+                <a:solidFill>
+                  <a:schemeClr val="tx1"/>
+                </a:solidFill>
+                <a:tailEnd type="triangle"/>
+              </a:ln>
+            </p:spPr>
+            <p:style>
+              <a:lnRef idx="1">
+                <a:schemeClr val="accent1"/>
+              </a:lnRef>
+              <a:fillRef idx="0">
+                <a:schemeClr val="accent1"/>
+              </a:fillRef>
+              <a:effectRef idx="0">
+                <a:schemeClr val="accent1"/>
+              </a:effectRef>
+              <a:fontRef idx="minor">
+                <a:schemeClr val="tx1"/>
+              </a:fontRef>
+            </p:style>
+          </p:cxnSp>
+          <p:cxnSp>
+            <p:nvCxnSpPr>
+              <p:cNvPr id="24" name="Straight Arrow Connector 23"/>
+              <p:cNvCxnSpPr>
+                <a:stCxn id="14" idx="2"/>
+                <a:endCxn id="9" idx="0"/>
+              </p:cNvCxnSpPr>
+              <p:nvPr/>
+            </p:nvCxnSpPr>
+            <p:spPr>
+              <a:xfrm>
+                <a:off x="7603618" y="5028939"/>
+                <a:ext cx="0" cy="222827"/>
+              </a:xfrm>
+              <a:prstGeom prst="straightConnector1">
+                <a:avLst/>
+              </a:prstGeom>
+              <a:ln w="19050">
+                <a:solidFill>
+                  <a:schemeClr val="tx1"/>
+                </a:solidFill>
+                <a:tailEnd type="triangle"/>
+              </a:ln>
+            </p:spPr>
+            <p:style>
+              <a:lnRef idx="1">
+                <a:schemeClr val="accent1"/>
+              </a:lnRef>
+              <a:fillRef idx="0">
+                <a:schemeClr val="accent1"/>
+              </a:fillRef>
+              <a:effectRef idx="0">
+                <a:schemeClr val="accent1"/>
+              </a:effectRef>
+              <a:fontRef idx="minor">
+                <a:schemeClr val="tx1"/>
+              </a:fontRef>
+            </p:style>
+          </p:cxnSp>
+          <p:cxnSp>
+            <p:nvCxnSpPr>
+              <p:cNvPr id="26" name="Straight Arrow Connector 25"/>
+              <p:cNvCxnSpPr>
+                <a:stCxn id="7" idx="3"/>
+                <a:endCxn id="15" idx="1"/>
+              </p:cNvCxnSpPr>
+              <p:nvPr/>
+            </p:nvCxnSpPr>
+            <p:spPr>
+              <a:xfrm flipV="1">
+                <a:off x="2667723" y="3560324"/>
+                <a:ext cx="582495" cy="1832"/>
+              </a:xfrm>
+              <a:prstGeom prst="straightConnector1">
+                <a:avLst/>
+              </a:prstGeom>
+              <a:ln w="19050">
+                <a:solidFill>
+                  <a:schemeClr val="tx1"/>
+                </a:solidFill>
+                <a:tailEnd type="triangle"/>
+              </a:ln>
+            </p:spPr>
+            <p:style>
+              <a:lnRef idx="1">
+                <a:schemeClr val="accent1"/>
+              </a:lnRef>
+              <a:fillRef idx="0">
+                <a:schemeClr val="accent1"/>
+              </a:fillRef>
+              <a:effectRef idx="0">
+                <a:schemeClr val="accent1"/>
+              </a:effectRef>
+              <a:fontRef idx="minor">
+                <a:schemeClr val="tx1"/>
+              </a:fontRef>
+            </p:style>
+          </p:cxnSp>
+          <p:sp>
+            <p:nvSpPr>
+              <p:cNvPr id="31" name="Rounded Rectangle 30"/>
+              <p:cNvSpPr/>
+              <p:nvPr/>
+            </p:nvSpPr>
+            <p:spPr>
+              <a:xfrm>
+                <a:off x="6544036" y="3731482"/>
+                <a:ext cx="2119165" cy="540278"/>
+              </a:xfrm>
+              <a:prstGeom prst="roundRect">
+                <a:avLst/>
+              </a:prstGeom>
+            </p:spPr>
+            <p:style>
+              <a:lnRef idx="2">
+                <a:schemeClr val="accent1">
+                  <a:shade val="50000"/>
+                </a:schemeClr>
+              </a:lnRef>
+              <a:fillRef idx="1">
+                <a:schemeClr val="accent1"/>
+              </a:fillRef>
+              <a:effectRef idx="0">
+                <a:schemeClr val="accent1"/>
+              </a:effectRef>
+              <a:fontRef idx="minor">
+                <a:schemeClr val="lt1"/>
+              </a:fontRef>
+            </p:style>
+            <p:txBody>
+              <a:bodyPr rtlCol="0" anchor="ctr"/>
+              <a:lstStyle/>
+              <a:p>
+                <a:pPr algn="ctr"/>
+                <a:r>
+                  <a:rPr lang="en-GB" sz="1200" b="0" i="0" u="none" strike="noStrike" baseline="0" dirty="0" smtClean="0">
+                    <a:latin typeface="CMR10"/>
+                  </a:rPr>
+                  <a:t>Language detection &amp;</a:t>
+                </a:r>
+              </a:p>
+              <a:p>
+                <a:pPr algn="ctr"/>
+                <a:r>
+                  <a:rPr lang="en-GB" sz="1200" b="0" i="0" u="none" strike="noStrike" baseline="0" dirty="0" smtClean="0">
+                    <a:latin typeface="CMR10"/>
+                  </a:rPr>
+                  <a:t>spell check (News/Twitter)</a:t>
+                </a:r>
+              </a:p>
+            </p:txBody>
+          </p:sp>
+          <p:sp>
+            <p:nvSpPr>
+              <p:cNvPr id="37" name="Rounded Rectangle 36"/>
+              <p:cNvSpPr/>
+              <p:nvPr/>
+            </p:nvSpPr>
+            <p:spPr>
+              <a:xfrm>
+                <a:off x="7841015" y="2766071"/>
+                <a:ext cx="1042901" cy="565880"/>
+              </a:xfrm>
+              <a:prstGeom prst="roundRect">
+                <a:avLst/>
+              </a:prstGeom>
+            </p:spPr>
+            <p:style>
+              <a:lnRef idx="2">
+                <a:schemeClr val="accent1">
+                  <a:shade val="50000"/>
+                </a:schemeClr>
+              </a:lnRef>
+              <a:fillRef idx="1">
+                <a:schemeClr val="accent1"/>
+              </a:fillRef>
+              <a:effectRef idx="0">
+                <a:schemeClr val="accent1"/>
+              </a:effectRef>
+              <a:fontRef idx="minor">
+                <a:schemeClr val="lt1"/>
+              </a:fontRef>
+            </p:style>
+            <p:txBody>
+              <a:bodyPr rtlCol="0" anchor="ctr"/>
+              <a:lstStyle/>
+              <a:p>
+                <a:pPr algn="ctr"/>
+                <a:r>
+                  <a:rPr lang="en-GB" sz="1200" b="0" i="0" u="none" strike="noStrike" baseline="0" dirty="0" smtClean="0">
+                    <a:latin typeface="CMR10"/>
+                  </a:rPr>
+                  <a:t>Collect news feed </a:t>
+                </a:r>
+              </a:p>
+            </p:txBody>
+          </p:sp>
+          <p:cxnSp>
+            <p:nvCxnSpPr>
+              <p:cNvPr id="169" name="Elbow Connector 168"/>
+              <p:cNvCxnSpPr>
+                <a:stCxn id="6" idx="3"/>
+                <a:endCxn id="8" idx="0"/>
+              </p:cNvCxnSpPr>
+              <p:nvPr/>
+            </p:nvCxnSpPr>
+            <p:spPr>
+              <a:xfrm>
+                <a:off x="5406143" y="2469959"/>
+                <a:ext cx="1255410" cy="307807"/>
+              </a:xfrm>
+              <a:prstGeom prst="bentConnector2">
+                <a:avLst/>
+              </a:prstGeom>
+              <a:ln w="19050">
+                <a:solidFill>
+                  <a:schemeClr val="tx1"/>
+                </a:solidFill>
+                <a:tailEnd type="triangle"/>
+              </a:ln>
+            </p:spPr>
+            <p:style>
+              <a:lnRef idx="1">
+                <a:schemeClr val="accent1"/>
+              </a:lnRef>
+              <a:fillRef idx="0">
+                <a:schemeClr val="accent1"/>
+              </a:fillRef>
+              <a:effectRef idx="0">
+                <a:schemeClr val="accent1"/>
+              </a:effectRef>
+              <a:fontRef idx="minor">
+                <a:schemeClr val="tx1"/>
+              </a:fontRef>
+            </p:style>
+          </p:cxnSp>
+          <p:cxnSp>
+            <p:nvCxnSpPr>
+              <p:cNvPr id="177" name="Elbow Connector 176"/>
+              <p:cNvCxnSpPr>
+                <a:stCxn id="6" idx="2"/>
+                <a:endCxn id="7" idx="0"/>
+              </p:cNvCxnSpPr>
+              <p:nvPr/>
+            </p:nvCxnSpPr>
+            <p:spPr>
+              <a:xfrm rot="5400000">
+                <a:off x="2993264" y="1600943"/>
+                <a:ext cx="551918" cy="2830229"/>
+              </a:xfrm>
+              <a:prstGeom prst="bentConnector3">
+                <a:avLst>
+                  <a:gd name="adj1" fmla="val 50000"/>
+                </a:avLst>
+              </a:prstGeom>
+              <a:ln w="19050">
+                <a:solidFill>
+                  <a:schemeClr val="tx1"/>
+                </a:solidFill>
+                <a:tailEnd type="triangle"/>
+              </a:ln>
+            </p:spPr>
+            <p:style>
+              <a:lnRef idx="1">
+                <a:schemeClr val="accent1"/>
+              </a:lnRef>
+              <a:fillRef idx="0">
+                <a:schemeClr val="accent1"/>
+              </a:fillRef>
+              <a:effectRef idx="0">
+                <a:schemeClr val="accent1"/>
+              </a:effectRef>
+              <a:fontRef idx="minor">
+                <a:schemeClr val="tx1"/>
+              </a:fontRef>
+            </p:style>
+          </p:cxnSp>
+          <p:cxnSp>
+            <p:nvCxnSpPr>
+              <p:cNvPr id="186" name="Elbow Connector 185"/>
+              <p:cNvCxnSpPr>
+                <a:stCxn id="8" idx="2"/>
+                <a:endCxn id="31" idx="0"/>
+              </p:cNvCxnSpPr>
+              <p:nvPr/>
+            </p:nvCxnSpPr>
+            <p:spPr>
+              <a:xfrm rot="16200000" flipH="1">
+                <a:off x="6926974" y="3054836"/>
+                <a:ext cx="411225" cy="942066"/>
+              </a:xfrm>
+              <a:prstGeom prst="bentConnector3">
+                <a:avLst>
+                  <a:gd name="adj1" fmla="val 50000"/>
+                </a:avLst>
+              </a:prstGeom>
+              <a:ln w="19050">
+                <a:solidFill>
+                  <a:schemeClr val="tx1"/>
+                </a:solidFill>
+                <a:tailEnd type="triangle"/>
+              </a:ln>
+            </p:spPr>
+            <p:style>
+              <a:lnRef idx="1">
+                <a:schemeClr val="accent1"/>
+              </a:lnRef>
+              <a:fillRef idx="0">
+                <a:schemeClr val="accent1"/>
+              </a:fillRef>
+              <a:effectRef idx="0">
+                <a:schemeClr val="accent1"/>
+              </a:effectRef>
+              <a:fontRef idx="minor">
+                <a:schemeClr val="tx1"/>
+              </a:fontRef>
+            </p:style>
+          </p:cxnSp>
+          <p:cxnSp>
+            <p:nvCxnSpPr>
+              <p:cNvPr id="189" name="Elbow Connector 188"/>
+              <p:cNvCxnSpPr>
+                <a:stCxn id="37" idx="2"/>
+                <a:endCxn id="31" idx="0"/>
+              </p:cNvCxnSpPr>
+              <p:nvPr/>
+            </p:nvCxnSpPr>
+            <p:spPr>
+              <a:xfrm rot="5400000">
+                <a:off x="7783278" y="3152293"/>
+                <a:ext cx="399531" cy="758847"/>
+              </a:xfrm>
+              <a:prstGeom prst="bentConnector3">
+                <a:avLst>
+                  <a:gd name="adj1" fmla="val 48729"/>
+                </a:avLst>
+              </a:prstGeom>
+              <a:ln w="19050">
+                <a:solidFill>
+                  <a:schemeClr val="tx1"/>
+                </a:solidFill>
+                <a:tailEnd type="triangle"/>
+              </a:ln>
+            </p:spPr>
+            <p:style>
+              <a:lnRef idx="1">
+                <a:schemeClr val="accent1"/>
+              </a:lnRef>
+              <a:fillRef idx="0">
+                <a:schemeClr val="accent1"/>
+              </a:fillRef>
+              <a:effectRef idx="0">
+                <a:schemeClr val="accent1"/>
+              </a:effectRef>
+              <a:fontRef idx="minor">
+                <a:schemeClr val="tx1"/>
+              </a:fontRef>
+            </p:style>
+          </p:cxnSp>
+          <p:cxnSp>
+            <p:nvCxnSpPr>
+              <p:cNvPr id="193" name="Elbow Connector 192"/>
+              <p:cNvCxnSpPr>
+                <a:stCxn id="9" idx="1"/>
+                <a:endCxn id="13" idx="3"/>
+              </p:cNvCxnSpPr>
+              <p:nvPr/>
+            </p:nvCxnSpPr>
+            <p:spPr>
+              <a:xfrm rot="10800000">
+                <a:off x="4485376" y="4687235"/>
+                <a:ext cx="2148446" cy="832061"/>
+              </a:xfrm>
+              <a:prstGeom prst="bentConnector3">
+                <a:avLst>
+                  <a:gd name="adj1" fmla="val 17477"/>
+                </a:avLst>
+              </a:prstGeom>
+              <a:ln w="19050">
+                <a:solidFill>
+                  <a:schemeClr val="tx1"/>
+                </a:solidFill>
+                <a:tailEnd type="triangle"/>
+              </a:ln>
+            </p:spPr>
+            <p:style>
+              <a:lnRef idx="1">
+                <a:schemeClr val="accent1"/>
+              </a:lnRef>
+              <a:fillRef idx="0">
+                <a:schemeClr val="accent1"/>
+              </a:fillRef>
+              <a:effectRef idx="0">
+                <a:schemeClr val="accent1"/>
+              </a:effectRef>
+              <a:fontRef idx="minor">
+                <a:schemeClr val="tx1"/>
+              </a:fontRef>
+            </p:style>
+          </p:cxnSp>
+          <p:cxnSp>
+            <p:nvCxnSpPr>
+              <p:cNvPr id="198" name="Elbow Connector 197"/>
+              <p:cNvCxnSpPr>
+                <a:stCxn id="6" idx="3"/>
+                <a:endCxn id="37" idx="0"/>
+              </p:cNvCxnSpPr>
+              <p:nvPr/>
+            </p:nvCxnSpPr>
+            <p:spPr>
+              <a:xfrm>
+                <a:off x="5406143" y="2469959"/>
+                <a:ext cx="2956323" cy="296112"/>
+              </a:xfrm>
+              <a:prstGeom prst="bentConnector2">
+                <a:avLst/>
+              </a:prstGeom>
+              <a:ln w="19050">
+                <a:solidFill>
+                  <a:schemeClr val="tx1"/>
+                </a:solidFill>
+                <a:tailEnd type="triangle"/>
+              </a:ln>
+            </p:spPr>
+            <p:style>
+              <a:lnRef idx="1">
+                <a:schemeClr val="accent1"/>
+              </a:lnRef>
+              <a:fillRef idx="0">
+                <a:schemeClr val="accent1"/>
+              </a:fillRef>
+              <a:effectRef idx="0">
+                <a:schemeClr val="accent1"/>
+              </a:effectRef>
+              <a:fontRef idx="minor">
+                <a:schemeClr val="tx1"/>
+              </a:fontRef>
+            </p:style>
+          </p:cxnSp>
+          <p:sp>
+            <p:nvSpPr>
+              <p:cNvPr id="219" name="Oval 218"/>
+              <p:cNvSpPr/>
+              <p:nvPr/>
+            </p:nvSpPr>
+            <p:spPr>
+              <a:xfrm>
+                <a:off x="2289448" y="634501"/>
+                <a:ext cx="360000" cy="360000"/>
+              </a:xfrm>
+              <a:prstGeom prst="ellipse">
+                <a:avLst/>
+              </a:prstGeom>
+              <a:solidFill>
+                <a:schemeClr val="tx1"/>
+              </a:solidFill>
+              <a:ln>
+                <a:solidFill>
+                  <a:schemeClr val="tx1"/>
+                </a:solidFill>
+              </a:ln>
+            </p:spPr>
+            <p:style>
+              <a:lnRef idx="2">
+                <a:schemeClr val="accent1">
+                  <a:shade val="50000"/>
+                </a:schemeClr>
+              </a:lnRef>
+              <a:fillRef idx="1">
+                <a:schemeClr val="accent1"/>
+              </a:fillRef>
+              <a:effectRef idx="0">
+                <a:schemeClr val="accent1"/>
+              </a:effectRef>
+              <a:fontRef idx="minor">
+                <a:schemeClr val="lt1"/>
+              </a:fontRef>
+            </p:style>
+            <p:txBody>
+              <a:bodyPr rtlCol="0" anchor="ctr"/>
+              <a:lstStyle/>
+              <a:p>
+                <a:pPr algn="ctr"/>
+                <a:endParaRPr lang="en-GB"/>
+              </a:p>
+            </p:txBody>
+          </p:sp>
+          <p:cxnSp>
+            <p:nvCxnSpPr>
+              <p:cNvPr id="220" name="Straight Arrow Connector 219"/>
+              <p:cNvCxnSpPr>
+                <a:stCxn id="219" idx="6"/>
+                <a:endCxn id="4" idx="1"/>
+              </p:cNvCxnSpPr>
+              <p:nvPr/>
+            </p:nvCxnSpPr>
+            <p:spPr>
+              <a:xfrm>
+                <a:off x="2649448" y="814501"/>
+                <a:ext cx="1403223" cy="1"/>
+              </a:xfrm>
+              <a:prstGeom prst="straightConnector1">
+                <a:avLst/>
+              </a:prstGeom>
+              <a:ln w="19050">
+                <a:solidFill>
+                  <a:schemeClr val="tx1"/>
+                </a:solidFill>
+                <a:tailEnd type="triangle"/>
+              </a:ln>
+            </p:spPr>
+            <p:style>
+              <a:lnRef idx="1">
+                <a:schemeClr val="accent1"/>
+              </a:lnRef>
+              <a:fillRef idx="0">
+                <a:schemeClr val="accent1"/>
+              </a:fillRef>
+              <a:effectRef idx="0">
+                <a:schemeClr val="accent1"/>
+              </a:effectRef>
+              <a:fontRef idx="minor">
+                <a:schemeClr val="tx1"/>
+              </a:fontRef>
+            </p:style>
+          </p:cxnSp>
+          <p:cxnSp>
+            <p:nvCxnSpPr>
+              <p:cNvPr id="229" name="Straight Arrow Connector 228"/>
+              <p:cNvCxnSpPr>
+                <a:stCxn id="219" idx="4"/>
+                <a:endCxn id="12" idx="0"/>
+              </p:cNvCxnSpPr>
+              <p:nvPr/>
+            </p:nvCxnSpPr>
+            <p:spPr>
+              <a:xfrm>
+                <a:off x="2469448" y="994501"/>
+                <a:ext cx="0" cy="1085636"/>
+              </a:xfrm>
+              <a:prstGeom prst="straightConnector1">
+                <a:avLst/>
+              </a:prstGeom>
+              <a:ln w="19050">
+                <a:solidFill>
+                  <a:schemeClr val="tx1"/>
+                </a:solidFill>
+                <a:tailEnd type="triangle"/>
+              </a:ln>
+            </p:spPr>
+            <p:style>
+              <a:lnRef idx="1">
+                <a:schemeClr val="accent1"/>
+              </a:lnRef>
+              <a:fillRef idx="0">
+                <a:schemeClr val="accent1"/>
+              </a:fillRef>
+              <a:effectRef idx="0">
+                <a:schemeClr val="accent1"/>
+              </a:effectRef>
+              <a:fontRef idx="minor">
+                <a:schemeClr val="tx1"/>
+              </a:fontRef>
+            </p:style>
+          </p:cxnSp>
+          <p:cxnSp>
+            <p:nvCxnSpPr>
+              <p:cNvPr id="40" name="Elbow Connector 39"/>
+              <p:cNvCxnSpPr>
+                <a:stCxn id="7" idx="2"/>
+                <a:endCxn id="55" idx="1"/>
+              </p:cNvCxnSpPr>
+              <p:nvPr/>
+            </p:nvCxnSpPr>
+            <p:spPr>
+              <a:xfrm rot="16200000" flipH="1">
+                <a:off x="1695471" y="3990932"/>
+                <a:ext cx="1879697" cy="1562423"/>
+              </a:xfrm>
+              <a:prstGeom prst="bentConnector2">
+                <a:avLst/>
+              </a:prstGeom>
+              <a:ln w="19050">
+                <a:solidFill>
+                  <a:schemeClr val="tx1"/>
+                </a:solidFill>
+                <a:tailEnd type="triangle"/>
+              </a:ln>
+            </p:spPr>
+            <p:style>
+              <a:lnRef idx="1">
+                <a:schemeClr val="accent1"/>
+              </a:lnRef>
+              <a:fillRef idx="0">
+                <a:schemeClr val="accent1"/>
+              </a:fillRef>
+              <a:effectRef idx="0">
+                <a:schemeClr val="accent1"/>
+              </a:effectRef>
+              <a:fontRef idx="minor">
+                <a:schemeClr val="tx1"/>
+              </a:fontRef>
+            </p:style>
+          </p:cxnSp>
+          <p:cxnSp>
+            <p:nvCxnSpPr>
+              <p:cNvPr id="45" name="Straight Arrow Connector 44"/>
+              <p:cNvCxnSpPr>
+                <a:stCxn id="15" idx="2"/>
+                <a:endCxn id="13" idx="0"/>
+              </p:cNvCxnSpPr>
+              <p:nvPr/>
+            </p:nvCxnSpPr>
+            <p:spPr>
+              <a:xfrm flipH="1">
+                <a:off x="3954573" y="3831569"/>
+                <a:ext cx="1624" cy="584419"/>
+              </a:xfrm>
+              <a:prstGeom prst="straightConnector1">
+                <a:avLst/>
+              </a:prstGeom>
+              <a:ln w="19050">
+                <a:solidFill>
+                  <a:schemeClr val="tx1"/>
+                </a:solidFill>
+                <a:tailEnd type="triangle"/>
+              </a:ln>
+            </p:spPr>
+            <p:style>
+              <a:lnRef idx="1">
+                <a:schemeClr val="accent1"/>
+              </a:lnRef>
+              <a:fillRef idx="0">
+                <a:schemeClr val="accent1"/>
+              </a:fillRef>
+              <a:effectRef idx="0">
+                <a:schemeClr val="accent1"/>
+              </a:effectRef>
+              <a:fontRef idx="minor">
+                <a:schemeClr val="tx1"/>
+              </a:fontRef>
+            </p:style>
+          </p:cxnSp>
+        </p:grpSp>
         <p:sp>
           <p:nvSpPr>
-            <p:cNvPr id="4" name="Rounded Rectangle 3"/>
+            <p:cNvPr id="38" name="Rounded Rectangle 37"/>
             <p:cNvSpPr/>
             <p:nvPr/>
           </p:nvSpPr>
           <p:spPr>
             <a:xfrm>
-              <a:off x="4052671" y="544362"/>
-              <a:ext cx="1256830" cy="540279"/>
+              <a:off x="4818871" y="5440746"/>
+              <a:ext cx="1061606" cy="542491"/>
             </a:xfrm>
             <a:prstGeom prst="roundRect">
               <a:avLst/>
@@ -5839,779 +7068,24 @@
                 <a:rPr lang="en-GB" sz="1200" b="0" i="0" u="none" strike="noStrike" baseline="0" dirty="0" smtClean="0">
                   <a:latin typeface="CMR10"/>
                 </a:rPr>
-                <a:t>Collect P2000 notifications</a:t>
-              </a:r>
-            </a:p>
-          </p:txBody>
-        </p:sp>
-        <p:sp>
-          <p:nvSpPr>
-            <p:cNvPr id="6" name="Rounded Rectangle 5"/>
-            <p:cNvSpPr/>
-            <p:nvPr/>
-          </p:nvSpPr>
-          <p:spPr>
-            <a:xfrm>
-              <a:off x="3962530" y="2199819"/>
-              <a:ext cx="1443613" cy="540279"/>
-            </a:xfrm>
-            <a:prstGeom prst="roundRect">
-              <a:avLst/>
-            </a:prstGeom>
-          </p:spPr>
-          <p:style>
-            <a:lnRef idx="2">
-              <a:schemeClr val="accent1">
-                <a:shade val="50000"/>
-              </a:schemeClr>
-            </a:lnRef>
-            <a:fillRef idx="1">
-              <a:schemeClr val="accent1"/>
-            </a:fillRef>
-            <a:effectRef idx="0">
-              <a:schemeClr val="accent1"/>
-            </a:effectRef>
-            <a:fontRef idx="minor">
-              <a:schemeClr val="lt1"/>
-            </a:fontRef>
-          </p:style>
-          <p:txBody>
-            <a:bodyPr rtlCol="0" anchor="ctr"/>
-            <a:lstStyle/>
-            <a:p>
-              <a:pPr algn="ctr"/>
-              <a:r>
-                <a:rPr lang="en-US" sz="1200" b="0" i="0" u="none" strike="noStrike" baseline="0" dirty="0" smtClean="0">
-                  <a:latin typeface="CMR10"/>
-                </a:rPr>
-                <a:t>Indexing of </a:t>
-              </a:r>
-              <a:r>
-                <a:rPr lang="en-GB" sz="1200" b="0" i="0" u="none" strike="noStrike" baseline="0" dirty="0" smtClean="0">
-                  <a:latin typeface="CMR10"/>
-                </a:rPr>
-                <a:t>notifications</a:t>
-              </a:r>
-              <a:endParaRPr lang="en-GB" sz="1200" dirty="0"/>
-            </a:p>
-          </p:txBody>
-        </p:sp>
-        <p:sp>
-          <p:nvSpPr>
-            <p:cNvPr id="7" name="Rounded Rectangle 6"/>
-            <p:cNvSpPr/>
-            <p:nvPr/>
-          </p:nvSpPr>
-          <p:spPr>
-            <a:xfrm>
-              <a:off x="1040493" y="3292016"/>
-              <a:ext cx="1627230" cy="540280"/>
-            </a:xfrm>
-            <a:prstGeom prst="roundRect">
-              <a:avLst/>
-            </a:prstGeom>
-          </p:spPr>
-          <p:style>
-            <a:lnRef idx="2">
-              <a:schemeClr val="accent1">
-                <a:shade val="50000"/>
-              </a:schemeClr>
-            </a:lnRef>
-            <a:fillRef idx="1">
-              <a:schemeClr val="accent1"/>
-            </a:fillRef>
-            <a:effectRef idx="0">
-              <a:schemeClr val="accent1"/>
-            </a:effectRef>
-            <a:fontRef idx="minor">
-              <a:schemeClr val="lt1"/>
-            </a:fontRef>
-          </p:style>
-          <p:txBody>
-            <a:bodyPr rtlCol="0" anchor="ctr"/>
-            <a:lstStyle/>
-            <a:p>
-              <a:pPr algn="ctr"/>
-              <a:r>
-                <a:rPr lang="en-US" sz="1200" b="0" i="0" u="none" strike="noStrike" baseline="0" dirty="0" smtClean="0">
-                  <a:latin typeface="CMR10"/>
-                </a:rPr>
-                <a:t>Cluster notifications</a:t>
-              </a:r>
-            </a:p>
-          </p:txBody>
-        </p:sp>
-        <p:sp>
-          <p:nvSpPr>
-            <p:cNvPr id="8" name="Rounded Rectangle 7"/>
-            <p:cNvSpPr/>
-            <p:nvPr/>
-          </p:nvSpPr>
-          <p:spPr>
-            <a:xfrm>
-              <a:off x="5917586" y="2777766"/>
-              <a:ext cx="1487934" cy="542491"/>
-            </a:xfrm>
-            <a:prstGeom prst="roundRect">
-              <a:avLst/>
-            </a:prstGeom>
-          </p:spPr>
-          <p:style>
-            <a:lnRef idx="2">
-              <a:schemeClr val="accent1">
-                <a:shade val="50000"/>
-              </a:schemeClr>
-            </a:lnRef>
-            <a:fillRef idx="1">
-              <a:schemeClr val="accent1"/>
-            </a:fillRef>
-            <a:effectRef idx="0">
-              <a:schemeClr val="accent1"/>
-            </a:effectRef>
-            <a:fontRef idx="minor">
-              <a:schemeClr val="lt1"/>
-            </a:fontRef>
-          </p:style>
-          <p:txBody>
-            <a:bodyPr rtlCol="0" anchor="ctr"/>
-            <a:lstStyle/>
-            <a:p>
-              <a:pPr algn="ctr"/>
-              <a:r>
-                <a:rPr lang="en-GB" sz="1200" b="0" i="0" u="none" strike="noStrike" baseline="0" dirty="0" smtClean="0">
-                  <a:latin typeface="CMR10"/>
-                </a:rPr>
-                <a:t>Collect twitter data</a:t>
-              </a:r>
-            </a:p>
-          </p:txBody>
-        </p:sp>
-        <p:sp>
-          <p:nvSpPr>
-            <p:cNvPr id="9" name="Rounded Rectangle 8"/>
-            <p:cNvSpPr/>
-            <p:nvPr/>
-          </p:nvSpPr>
-          <p:spPr>
-            <a:xfrm>
-              <a:off x="6633822" y="5251766"/>
-              <a:ext cx="1939591" cy="535058"/>
-            </a:xfrm>
-            <a:prstGeom prst="roundRect">
-              <a:avLst/>
-            </a:prstGeom>
-          </p:spPr>
-          <p:style>
-            <a:lnRef idx="2">
-              <a:schemeClr val="accent1">
-                <a:shade val="50000"/>
-              </a:schemeClr>
-            </a:lnRef>
-            <a:fillRef idx="1">
-              <a:schemeClr val="accent1"/>
-            </a:fillRef>
-            <a:effectRef idx="0">
-              <a:schemeClr val="accent1"/>
-            </a:effectRef>
-            <a:fontRef idx="minor">
-              <a:schemeClr val="lt1"/>
-            </a:fontRef>
-          </p:style>
-          <p:txBody>
-            <a:bodyPr rtlCol="0" anchor="ctr"/>
-            <a:lstStyle/>
-            <a:p>
-              <a:pPr algn="ctr"/>
-              <a:r>
-                <a:rPr lang="en-GB" sz="1200" b="0" i="0" u="none" strike="noStrike" baseline="0" dirty="0" smtClean="0">
-                  <a:latin typeface="CMR10"/>
-                </a:rPr>
-                <a:t>Classify news</a:t>
-              </a:r>
-              <a:r>
-                <a:rPr lang="en-GB" sz="1200" b="0" i="0" u="none" strike="noStrike" dirty="0" smtClean="0">
-                  <a:latin typeface="CMR10"/>
-                </a:rPr>
-                <a:t> feed / </a:t>
-              </a:r>
-              <a:r>
-                <a:rPr lang="en-GB" sz="1200" dirty="0" smtClean="0">
-                  <a:latin typeface="CMR10"/>
-                </a:rPr>
-                <a:t>T</a:t>
-              </a:r>
-              <a:r>
-                <a:rPr lang="en-GB" sz="1200" b="0" i="0" u="none" strike="noStrike" dirty="0" smtClean="0">
-                  <a:latin typeface="CMR10"/>
-                </a:rPr>
-                <a:t>witter data</a:t>
-              </a:r>
-              <a:endParaRPr lang="en-GB" sz="1200" b="0" i="0" u="none" strike="noStrike" baseline="0" dirty="0" smtClean="0">
-                <a:latin typeface="CMR10"/>
-              </a:endParaRPr>
-            </a:p>
-          </p:txBody>
-        </p:sp>
-        <p:sp>
-          <p:nvSpPr>
-            <p:cNvPr id="12" name="Rounded Rectangle 11"/>
-            <p:cNvSpPr/>
-            <p:nvPr/>
-          </p:nvSpPr>
-          <p:spPr>
-            <a:xfrm>
-              <a:off x="1698172" y="2080137"/>
-              <a:ext cx="1542552" cy="783307"/>
-            </a:xfrm>
-            <a:prstGeom prst="roundRect">
-              <a:avLst/>
-            </a:prstGeom>
-          </p:spPr>
-          <p:style>
-            <a:lnRef idx="2">
-              <a:schemeClr val="accent1">
-                <a:shade val="50000"/>
-              </a:schemeClr>
-            </a:lnRef>
-            <a:fillRef idx="1">
-              <a:schemeClr val="accent1"/>
-            </a:fillRef>
-            <a:effectRef idx="0">
-              <a:schemeClr val="accent1"/>
-            </a:effectRef>
-            <a:fontRef idx="minor">
-              <a:schemeClr val="lt1"/>
-            </a:fontRef>
-          </p:style>
-          <p:txBody>
-            <a:bodyPr rtlCol="0" anchor="ctr"/>
-            <a:lstStyle/>
-            <a:p>
-              <a:pPr algn="ctr"/>
-              <a:r>
-                <a:rPr lang="en-GB" sz="1200" b="0" i="0" u="none" strike="noStrike" baseline="0" dirty="0" smtClean="0">
-                  <a:latin typeface="CMR10"/>
-                </a:rPr>
-                <a:t>Create database of P2000 Notification</a:t>
-              </a:r>
-              <a:r>
-                <a:rPr lang="en-GB" sz="1200" b="0" i="0" u="none" strike="noStrike" dirty="0" smtClean="0">
-                  <a:latin typeface="CMR10"/>
-                </a:rPr>
-                <a:t> c</a:t>
-              </a:r>
-              <a:r>
-                <a:rPr lang="en-GB" sz="1200" b="0" i="0" u="none" strike="noStrike" baseline="0" dirty="0" smtClean="0">
-                  <a:latin typeface="CMR10"/>
-                </a:rPr>
-                <a:t>odes</a:t>
-              </a:r>
-              <a:endParaRPr lang="en-GB" sz="1200" b="1" i="0" u="none" strike="noStrike" baseline="0" dirty="0" smtClean="0">
-                <a:latin typeface="CMR10"/>
-              </a:endParaRPr>
-            </a:p>
-          </p:txBody>
-        </p:sp>
-        <p:sp>
-          <p:nvSpPr>
-            <p:cNvPr id="13" name="Rounded Rectangle 12"/>
-            <p:cNvSpPr/>
-            <p:nvPr/>
-          </p:nvSpPr>
-          <p:spPr>
-            <a:xfrm>
-              <a:off x="3604925" y="4415988"/>
-              <a:ext cx="1061606" cy="542491"/>
-            </a:xfrm>
-            <a:prstGeom prst="roundRect">
-              <a:avLst/>
-            </a:prstGeom>
-          </p:spPr>
-          <p:style>
-            <a:lnRef idx="2">
-              <a:schemeClr val="accent1">
-                <a:shade val="50000"/>
-              </a:schemeClr>
-            </a:lnRef>
-            <a:fillRef idx="1">
-              <a:schemeClr val="accent1"/>
-            </a:fillRef>
-            <a:effectRef idx="0">
-              <a:schemeClr val="accent1"/>
-            </a:effectRef>
-            <a:fontRef idx="minor">
-              <a:schemeClr val="lt1"/>
-            </a:fontRef>
-          </p:style>
-          <p:txBody>
-            <a:bodyPr rtlCol="0" anchor="ctr"/>
-            <a:lstStyle/>
-            <a:p>
-              <a:pPr algn="ctr"/>
-              <a:r>
-                <a:rPr lang="en-GB" sz="1200" b="0" i="0" u="none" strike="noStrike" baseline="0" dirty="0" smtClean="0">
-                  <a:latin typeface="CMR10"/>
-                </a:rPr>
-                <a:t>Association </a:t>
-              </a:r>
-              <a:r>
-                <a:rPr lang="en-GB" sz="1200" b="0" i="0" u="none" strike="noStrike" baseline="0" dirty="0" smtClean="0">
-                  <a:latin typeface="CMR10"/>
-                </a:rPr>
-                <a:t>analyser  news</a:t>
-              </a:r>
-              <a:endParaRPr lang="en-GB" sz="1200" b="0" i="0" u="none" strike="noStrike" baseline="0" dirty="0" smtClean="0">
-                <a:latin typeface="CMR10"/>
-              </a:endParaRPr>
-            </a:p>
-          </p:txBody>
-        </p:sp>
-        <p:sp>
-          <p:nvSpPr>
-            <p:cNvPr id="14" name="Rounded Rectangle 13"/>
-            <p:cNvSpPr/>
-            <p:nvPr/>
-          </p:nvSpPr>
-          <p:spPr>
-            <a:xfrm>
-              <a:off x="7043268" y="4494587"/>
-              <a:ext cx="1120700" cy="534352"/>
-            </a:xfrm>
-            <a:prstGeom prst="roundRect">
-              <a:avLst/>
-            </a:prstGeom>
-          </p:spPr>
-          <p:style>
-            <a:lnRef idx="2">
-              <a:schemeClr val="accent1">
-                <a:shade val="50000"/>
-              </a:schemeClr>
-            </a:lnRef>
-            <a:fillRef idx="1">
-              <a:schemeClr val="accent1"/>
-            </a:fillRef>
-            <a:effectRef idx="0">
-              <a:schemeClr val="accent1"/>
-            </a:effectRef>
-            <a:fontRef idx="minor">
-              <a:schemeClr val="lt1"/>
-            </a:fontRef>
-          </p:style>
-          <p:txBody>
-            <a:bodyPr rtlCol="0" anchor="ctr"/>
-            <a:lstStyle/>
-            <a:p>
-              <a:pPr algn="ctr"/>
-              <a:r>
-                <a:rPr lang="en-GB" sz="1200" b="0" i="0" u="none" strike="noStrike" baseline="0" dirty="0" smtClean="0">
-                  <a:latin typeface="CMR10"/>
-                </a:rPr>
-                <a:t>Indexing of news feed /</a:t>
-              </a:r>
-            </a:p>
-            <a:p>
-              <a:pPr algn="ctr"/>
-              <a:r>
-                <a:rPr lang="en-GB" sz="1200" b="0" i="0" u="none" strike="noStrike" baseline="0" dirty="0" smtClean="0">
-                  <a:latin typeface="CMR10"/>
-                </a:rPr>
-                <a:t>twitter data</a:t>
-              </a:r>
-            </a:p>
-          </p:txBody>
-        </p:sp>
-        <p:sp>
-          <p:nvSpPr>
-            <p:cNvPr id="15" name="Rounded Rectangle 14"/>
-            <p:cNvSpPr/>
-            <p:nvPr/>
-          </p:nvSpPr>
-          <p:spPr>
-            <a:xfrm>
-              <a:off x="1148129" y="4413594"/>
-              <a:ext cx="1411957" cy="542491"/>
-            </a:xfrm>
-            <a:prstGeom prst="roundRect">
-              <a:avLst/>
-            </a:prstGeom>
-          </p:spPr>
-          <p:style>
-            <a:lnRef idx="2">
-              <a:schemeClr val="accent1">
-                <a:shade val="50000"/>
-              </a:schemeClr>
-            </a:lnRef>
-            <a:fillRef idx="1">
-              <a:schemeClr val="accent1"/>
-            </a:fillRef>
-            <a:effectRef idx="0">
-              <a:schemeClr val="accent1"/>
-            </a:effectRef>
-            <a:fontRef idx="minor">
-              <a:schemeClr val="lt1"/>
-            </a:fontRef>
-          </p:style>
-          <p:txBody>
-            <a:bodyPr rtlCol="0" anchor="ctr"/>
-            <a:lstStyle/>
-            <a:p>
-              <a:pPr algn="ctr"/>
-              <a:r>
-                <a:rPr lang="en-GB" sz="1200" b="0" i="0" u="none" strike="noStrike" baseline="0" dirty="0" smtClean="0">
-                  <a:latin typeface="CMR10"/>
-                </a:rPr>
-                <a:t>Classify P2000 notifications</a:t>
-              </a:r>
-              <a:endParaRPr lang="en-GB" sz="1200" dirty="0"/>
-            </a:p>
-          </p:txBody>
-        </p:sp>
-        <p:cxnSp>
-          <p:nvCxnSpPr>
-            <p:cNvPr id="18" name="Straight Arrow Connector 17"/>
-            <p:cNvCxnSpPr>
-              <a:stCxn id="12" idx="3"/>
-              <a:endCxn id="6" idx="1"/>
-            </p:cNvCxnSpPr>
-            <p:nvPr/>
-          </p:nvCxnSpPr>
-          <p:spPr>
-            <a:xfrm flipV="1">
-              <a:off x="3240724" y="2469959"/>
-              <a:ext cx="721806" cy="1832"/>
-            </a:xfrm>
-            <a:prstGeom prst="straightConnector1">
-              <a:avLst/>
-            </a:prstGeom>
-            <a:ln w="19050">
-              <a:solidFill>
-                <a:schemeClr val="tx1"/>
-              </a:solidFill>
-              <a:tailEnd type="triangle"/>
-            </a:ln>
-          </p:spPr>
-          <p:style>
-            <a:lnRef idx="1">
-              <a:schemeClr val="accent1"/>
-            </a:lnRef>
-            <a:fillRef idx="0">
-              <a:schemeClr val="accent1"/>
-            </a:fillRef>
-            <a:effectRef idx="0">
-              <a:schemeClr val="accent1"/>
-            </a:effectRef>
-            <a:fontRef idx="minor">
-              <a:schemeClr val="tx1"/>
-            </a:fontRef>
-          </p:style>
-        </p:cxnSp>
-        <p:cxnSp>
-          <p:nvCxnSpPr>
-            <p:cNvPr id="20" name="Straight Arrow Connector 19"/>
-            <p:cNvCxnSpPr>
-              <a:stCxn id="4" idx="2"/>
-              <a:endCxn id="6" idx="0"/>
-            </p:cNvCxnSpPr>
-            <p:nvPr/>
-          </p:nvCxnSpPr>
-          <p:spPr>
-            <a:xfrm>
-              <a:off x="4681086" y="1084641"/>
-              <a:ext cx="3251" cy="1115178"/>
-            </a:xfrm>
-            <a:prstGeom prst="straightConnector1">
-              <a:avLst/>
-            </a:prstGeom>
-            <a:ln w="19050">
-              <a:solidFill>
-                <a:schemeClr val="tx1"/>
-              </a:solidFill>
-              <a:tailEnd type="triangle"/>
-            </a:ln>
-          </p:spPr>
-          <p:style>
-            <a:lnRef idx="1">
-              <a:schemeClr val="accent1"/>
-            </a:lnRef>
-            <a:fillRef idx="0">
-              <a:schemeClr val="accent1"/>
-            </a:fillRef>
-            <a:effectRef idx="0">
-              <a:schemeClr val="accent1"/>
-            </a:effectRef>
-            <a:fontRef idx="minor">
-              <a:schemeClr val="tx1"/>
-            </a:fontRef>
-          </p:style>
-        </p:cxnSp>
-        <p:cxnSp>
-          <p:nvCxnSpPr>
-            <p:cNvPr id="21" name="Straight Arrow Connector 20"/>
-            <p:cNvCxnSpPr>
-              <a:stCxn id="31" idx="2"/>
-              <a:endCxn id="14" idx="0"/>
-            </p:cNvCxnSpPr>
-            <p:nvPr/>
-          </p:nvCxnSpPr>
-          <p:spPr>
-            <a:xfrm flipH="1">
-              <a:off x="7603618" y="4271760"/>
-              <a:ext cx="1" cy="222827"/>
-            </a:xfrm>
-            <a:prstGeom prst="straightConnector1">
-              <a:avLst/>
-            </a:prstGeom>
-            <a:ln w="19050">
-              <a:solidFill>
-                <a:schemeClr val="tx1"/>
-              </a:solidFill>
-              <a:tailEnd type="triangle"/>
-            </a:ln>
-          </p:spPr>
-          <p:style>
-            <a:lnRef idx="1">
-              <a:schemeClr val="accent1"/>
-            </a:lnRef>
-            <a:fillRef idx="0">
-              <a:schemeClr val="accent1"/>
-            </a:fillRef>
-            <a:effectRef idx="0">
-              <a:schemeClr val="accent1"/>
-            </a:effectRef>
-            <a:fontRef idx="minor">
-              <a:schemeClr val="tx1"/>
-            </a:fontRef>
-          </p:style>
-        </p:cxnSp>
-        <p:cxnSp>
-          <p:nvCxnSpPr>
-            <p:cNvPr id="24" name="Straight Arrow Connector 23"/>
-            <p:cNvCxnSpPr>
-              <a:stCxn id="14" idx="2"/>
-              <a:endCxn id="9" idx="0"/>
-            </p:cNvCxnSpPr>
-            <p:nvPr/>
-          </p:nvCxnSpPr>
-          <p:spPr>
-            <a:xfrm>
-              <a:off x="7603618" y="5028939"/>
-              <a:ext cx="0" cy="222827"/>
-            </a:xfrm>
-            <a:prstGeom prst="straightConnector1">
-              <a:avLst/>
-            </a:prstGeom>
-            <a:ln w="19050">
-              <a:solidFill>
-                <a:schemeClr val="tx1"/>
-              </a:solidFill>
-              <a:tailEnd type="triangle"/>
-            </a:ln>
-          </p:spPr>
-          <p:style>
-            <a:lnRef idx="1">
-              <a:schemeClr val="accent1"/>
-            </a:lnRef>
-            <a:fillRef idx="0">
-              <a:schemeClr val="accent1"/>
-            </a:fillRef>
-            <a:effectRef idx="0">
-              <a:schemeClr val="accent1"/>
-            </a:effectRef>
-            <a:fontRef idx="minor">
-              <a:schemeClr val="tx1"/>
-            </a:fontRef>
-          </p:style>
-        </p:cxnSp>
-        <p:cxnSp>
-          <p:nvCxnSpPr>
-            <p:cNvPr id="26" name="Straight Arrow Connector 25"/>
-            <p:cNvCxnSpPr>
-              <a:stCxn id="7" idx="2"/>
-              <a:endCxn id="15" idx="0"/>
-            </p:cNvCxnSpPr>
-            <p:nvPr/>
-          </p:nvCxnSpPr>
-          <p:spPr>
-            <a:xfrm>
-              <a:off x="1854108" y="3832296"/>
-              <a:ext cx="0" cy="581298"/>
-            </a:xfrm>
-            <a:prstGeom prst="straightConnector1">
-              <a:avLst/>
-            </a:prstGeom>
-            <a:ln w="19050">
-              <a:solidFill>
-                <a:schemeClr val="tx1"/>
-              </a:solidFill>
-              <a:tailEnd type="triangle"/>
-            </a:ln>
-          </p:spPr>
-          <p:style>
-            <a:lnRef idx="1">
-              <a:schemeClr val="accent1"/>
-            </a:lnRef>
-            <a:fillRef idx="0">
-              <a:schemeClr val="accent1"/>
-            </a:fillRef>
-            <a:effectRef idx="0">
-              <a:schemeClr val="accent1"/>
-            </a:effectRef>
-            <a:fontRef idx="minor">
-              <a:schemeClr val="tx1"/>
-            </a:fontRef>
-          </p:style>
-        </p:cxnSp>
-        <p:sp>
-          <p:nvSpPr>
-            <p:cNvPr id="31" name="Rounded Rectangle 30"/>
-            <p:cNvSpPr/>
-            <p:nvPr/>
-          </p:nvSpPr>
-          <p:spPr>
-            <a:xfrm>
-              <a:off x="6544036" y="3731482"/>
-              <a:ext cx="2119165" cy="540278"/>
-            </a:xfrm>
-            <a:prstGeom prst="roundRect">
-              <a:avLst/>
-            </a:prstGeom>
-          </p:spPr>
-          <p:style>
-            <a:lnRef idx="2">
-              <a:schemeClr val="accent1">
-                <a:shade val="50000"/>
-              </a:schemeClr>
-            </a:lnRef>
-            <a:fillRef idx="1">
-              <a:schemeClr val="accent1"/>
-            </a:fillRef>
-            <a:effectRef idx="0">
-              <a:schemeClr val="accent1"/>
-            </a:effectRef>
-            <a:fontRef idx="minor">
-              <a:schemeClr val="lt1"/>
-            </a:fontRef>
-          </p:style>
-          <p:txBody>
-            <a:bodyPr rtlCol="0" anchor="ctr"/>
-            <a:lstStyle/>
-            <a:p>
-              <a:pPr algn="ctr"/>
-              <a:r>
-                <a:rPr lang="en-GB" sz="1200" b="0" i="0" u="none" strike="noStrike" baseline="0" dirty="0" smtClean="0">
-                  <a:latin typeface="CMR10"/>
-                </a:rPr>
-                <a:t>Language detection &amp;</a:t>
-              </a:r>
-            </a:p>
-            <a:p>
-              <a:pPr algn="ctr"/>
-              <a:r>
-                <a:rPr lang="en-GB" sz="1200" b="0" i="0" u="none" strike="noStrike" baseline="0" dirty="0" smtClean="0">
-                  <a:latin typeface="CMR10"/>
-                </a:rPr>
-                <a:t>spell check (News/Twitter)</a:t>
-              </a:r>
-            </a:p>
-          </p:txBody>
-        </p:sp>
-        <p:sp>
-          <p:nvSpPr>
-            <p:cNvPr id="37" name="Rounded Rectangle 36"/>
-            <p:cNvSpPr/>
-            <p:nvPr/>
-          </p:nvSpPr>
-          <p:spPr>
-            <a:xfrm>
-              <a:off x="7841015" y="2766071"/>
-              <a:ext cx="1042901" cy="565880"/>
-            </a:xfrm>
-            <a:prstGeom prst="roundRect">
-              <a:avLst/>
-            </a:prstGeom>
-          </p:spPr>
-          <p:style>
-            <a:lnRef idx="2">
-              <a:schemeClr val="accent1">
-                <a:shade val="50000"/>
-              </a:schemeClr>
-            </a:lnRef>
-            <a:fillRef idx="1">
-              <a:schemeClr val="accent1"/>
-            </a:fillRef>
-            <a:effectRef idx="0">
-              <a:schemeClr val="accent1"/>
-            </a:effectRef>
-            <a:fontRef idx="minor">
-              <a:schemeClr val="lt1"/>
-            </a:fontRef>
-          </p:style>
-          <p:txBody>
-            <a:bodyPr rtlCol="0" anchor="ctr"/>
-            <a:lstStyle/>
-            <a:p>
-              <a:pPr algn="ctr"/>
-              <a:r>
-                <a:rPr lang="en-GB" sz="1200" b="0" i="0" u="none" strike="noStrike" baseline="0" dirty="0" smtClean="0">
-                  <a:latin typeface="CMR10"/>
-                </a:rPr>
-                <a:t>Collect news feed </a:t>
+                <a:t>Association analyser Twitter</a:t>
               </a:r>
             </a:p>
           </p:txBody>
         </p:sp>
         <p:cxnSp>
           <p:nvCxnSpPr>
-            <p:cNvPr id="169" name="Elbow Connector 168"/>
+            <p:cNvPr id="39" name="Elbow Connector 38"/>
             <p:cNvCxnSpPr>
-              <a:stCxn id="6" idx="3"/>
-              <a:endCxn id="8" idx="0"/>
+              <a:stCxn id="9" idx="1"/>
+              <a:endCxn id="38" idx="3"/>
             </p:cNvCxnSpPr>
             <p:nvPr/>
           </p:nvCxnSpPr>
           <p:spPr>
-            <a:xfrm>
-              <a:off x="5406143" y="2469959"/>
-              <a:ext cx="1255410" cy="307807"/>
-            </a:xfrm>
-            <a:prstGeom prst="bentConnector2">
-              <a:avLst/>
-            </a:prstGeom>
-            <a:ln w="19050">
-              <a:solidFill>
-                <a:schemeClr val="tx1"/>
-              </a:solidFill>
-              <a:tailEnd type="triangle"/>
-            </a:ln>
-          </p:spPr>
-          <p:style>
-            <a:lnRef idx="1">
-              <a:schemeClr val="accent1"/>
-            </a:lnRef>
-            <a:fillRef idx="0">
-              <a:schemeClr val="accent1"/>
-            </a:fillRef>
-            <a:effectRef idx="0">
-              <a:schemeClr val="accent1"/>
-            </a:effectRef>
-            <a:fontRef idx="minor">
-              <a:schemeClr val="tx1"/>
-            </a:fontRef>
-          </p:style>
-        </p:cxnSp>
-        <p:cxnSp>
-          <p:nvCxnSpPr>
-            <p:cNvPr id="177" name="Elbow Connector 176"/>
-            <p:cNvCxnSpPr>
-              <a:stCxn id="6" idx="2"/>
-              <a:endCxn id="7" idx="0"/>
-            </p:cNvCxnSpPr>
-            <p:nvPr/>
-          </p:nvCxnSpPr>
-          <p:spPr>
-            <a:xfrm rot="5400000">
-              <a:off x="2993264" y="1600943"/>
-              <a:ext cx="551918" cy="2830229"/>
+            <a:xfrm rot="10800000" flipV="1">
+              <a:off x="5880478" y="5519294"/>
+              <a:ext cx="753345" cy="192697"/>
             </a:xfrm>
             <a:prstGeom prst="bentConnector3">
               <a:avLst>
@@ -6640,231 +7114,20 @@
             </a:fontRef>
           </p:style>
         </p:cxnSp>
-        <p:cxnSp>
-          <p:nvCxnSpPr>
-            <p:cNvPr id="180" name="Elbow Connector 179"/>
-            <p:cNvCxnSpPr>
-              <a:stCxn id="15" idx="3"/>
-              <a:endCxn id="13" idx="1"/>
-            </p:cNvCxnSpPr>
-            <p:nvPr/>
-          </p:nvCxnSpPr>
-          <p:spPr>
-            <a:xfrm>
-              <a:off x="2560086" y="4684840"/>
-              <a:ext cx="1044839" cy="2394"/>
-            </a:xfrm>
-            <a:prstGeom prst="bentConnector3">
-              <a:avLst>
-                <a:gd name="adj1" fmla="val 50000"/>
-              </a:avLst>
-            </a:prstGeom>
-            <a:ln w="19050">
-              <a:solidFill>
-                <a:schemeClr val="tx1"/>
-              </a:solidFill>
-              <a:tailEnd type="triangle"/>
-            </a:ln>
-          </p:spPr>
-          <p:style>
-            <a:lnRef idx="1">
-              <a:schemeClr val="accent1"/>
-            </a:lnRef>
-            <a:fillRef idx="0">
-              <a:schemeClr val="accent1"/>
-            </a:fillRef>
-            <a:effectRef idx="0">
-              <a:schemeClr val="accent1"/>
-            </a:effectRef>
-            <a:fontRef idx="minor">
-              <a:schemeClr val="tx1"/>
-            </a:fontRef>
-          </p:style>
-        </p:cxnSp>
-        <p:cxnSp>
-          <p:nvCxnSpPr>
-            <p:cNvPr id="186" name="Elbow Connector 185"/>
-            <p:cNvCxnSpPr>
-              <a:stCxn id="8" idx="2"/>
-              <a:endCxn id="31" idx="0"/>
-            </p:cNvCxnSpPr>
-            <p:nvPr/>
-          </p:nvCxnSpPr>
-          <p:spPr>
-            <a:xfrm rot="16200000" flipH="1">
-              <a:off x="6926974" y="3054836"/>
-              <a:ext cx="411225" cy="942066"/>
-            </a:xfrm>
-            <a:prstGeom prst="bentConnector3">
-              <a:avLst>
-                <a:gd name="adj1" fmla="val 50000"/>
-              </a:avLst>
-            </a:prstGeom>
-            <a:ln w="19050">
-              <a:solidFill>
-                <a:schemeClr val="tx1"/>
-              </a:solidFill>
-              <a:tailEnd type="triangle"/>
-            </a:ln>
-          </p:spPr>
-          <p:style>
-            <a:lnRef idx="1">
-              <a:schemeClr val="accent1"/>
-            </a:lnRef>
-            <a:fillRef idx="0">
-              <a:schemeClr val="accent1"/>
-            </a:fillRef>
-            <a:effectRef idx="0">
-              <a:schemeClr val="accent1"/>
-            </a:effectRef>
-            <a:fontRef idx="minor">
-              <a:schemeClr val="tx1"/>
-            </a:fontRef>
-          </p:style>
-        </p:cxnSp>
-        <p:cxnSp>
-          <p:nvCxnSpPr>
-            <p:cNvPr id="189" name="Elbow Connector 188"/>
-            <p:cNvCxnSpPr>
-              <a:stCxn id="37" idx="2"/>
-              <a:endCxn id="31" idx="0"/>
-            </p:cNvCxnSpPr>
-            <p:nvPr/>
-          </p:nvCxnSpPr>
-          <p:spPr>
-            <a:xfrm rot="5400000">
-              <a:off x="7783278" y="3152293"/>
-              <a:ext cx="399531" cy="758847"/>
-            </a:xfrm>
-            <a:prstGeom prst="bentConnector3">
-              <a:avLst>
-                <a:gd name="adj1" fmla="val 48729"/>
-              </a:avLst>
-            </a:prstGeom>
-            <a:ln w="19050">
-              <a:solidFill>
-                <a:schemeClr val="tx1"/>
-              </a:solidFill>
-              <a:tailEnd type="triangle"/>
-            </a:ln>
-          </p:spPr>
-          <p:style>
-            <a:lnRef idx="1">
-              <a:schemeClr val="accent1"/>
-            </a:lnRef>
-            <a:fillRef idx="0">
-              <a:schemeClr val="accent1"/>
-            </a:fillRef>
-            <a:effectRef idx="0">
-              <a:schemeClr val="accent1"/>
-            </a:effectRef>
-            <a:fontRef idx="minor">
-              <a:schemeClr val="tx1"/>
-            </a:fontRef>
-          </p:style>
-        </p:cxnSp>
-        <p:cxnSp>
-          <p:nvCxnSpPr>
-            <p:cNvPr id="193" name="Elbow Connector 192"/>
-            <p:cNvCxnSpPr>
-              <a:stCxn id="9" idx="1"/>
-              <a:endCxn id="13" idx="3"/>
-            </p:cNvCxnSpPr>
-            <p:nvPr/>
-          </p:nvCxnSpPr>
-          <p:spPr>
-            <a:xfrm rot="10800000">
-              <a:off x="4666532" y="4687235"/>
-              <a:ext cx="1967291" cy="832061"/>
-            </a:xfrm>
-            <a:prstGeom prst="bentConnector3">
-              <a:avLst>
-                <a:gd name="adj1" fmla="val 17945"/>
-              </a:avLst>
-            </a:prstGeom>
-            <a:ln w="19050">
-              <a:solidFill>
-                <a:schemeClr val="tx1"/>
-              </a:solidFill>
-              <a:tailEnd type="triangle"/>
-            </a:ln>
-          </p:spPr>
-          <p:style>
-            <a:lnRef idx="1">
-              <a:schemeClr val="accent1"/>
-            </a:lnRef>
-            <a:fillRef idx="0">
-              <a:schemeClr val="accent1"/>
-            </a:fillRef>
-            <a:effectRef idx="0">
-              <a:schemeClr val="accent1"/>
-            </a:effectRef>
-            <a:fontRef idx="minor">
-              <a:schemeClr val="tx1"/>
-            </a:fontRef>
-          </p:style>
-        </p:cxnSp>
-        <p:cxnSp>
-          <p:nvCxnSpPr>
-            <p:cNvPr id="198" name="Elbow Connector 197"/>
-            <p:cNvCxnSpPr>
-              <a:stCxn id="6" idx="3"/>
-              <a:endCxn id="37" idx="0"/>
-            </p:cNvCxnSpPr>
-            <p:nvPr/>
-          </p:nvCxnSpPr>
-          <p:spPr>
-            <a:xfrm>
-              <a:off x="5406143" y="2469959"/>
-              <a:ext cx="2956323" cy="296112"/>
-            </a:xfrm>
-            <a:prstGeom prst="bentConnector2">
-              <a:avLst/>
-            </a:prstGeom>
-            <a:ln w="19050">
-              <a:solidFill>
-                <a:schemeClr val="tx1"/>
-              </a:solidFill>
-              <a:tailEnd type="triangle"/>
-            </a:ln>
-          </p:spPr>
-          <p:style>
-            <a:lnRef idx="1">
-              <a:schemeClr val="accent1"/>
-            </a:lnRef>
-            <a:fillRef idx="0">
-              <a:schemeClr val="accent1"/>
-            </a:fillRef>
-            <a:effectRef idx="0">
-              <a:schemeClr val="accent1"/>
-            </a:effectRef>
-            <a:fontRef idx="minor">
-              <a:schemeClr val="tx1"/>
-            </a:fontRef>
-          </p:style>
-        </p:cxnSp>
         <p:sp>
           <p:nvSpPr>
-            <p:cNvPr id="219" name="Oval 218"/>
+            <p:cNvPr id="55" name="Rounded Rectangle 54"/>
             <p:cNvSpPr/>
             <p:nvPr/>
           </p:nvSpPr>
           <p:spPr>
             <a:xfrm>
-              <a:off x="2289448" y="634501"/>
-              <a:ext cx="360000" cy="360000"/>
+              <a:off x="3416531" y="5440747"/>
+              <a:ext cx="1061606" cy="542491"/>
             </a:xfrm>
-            <a:prstGeom prst="ellipse">
+            <a:prstGeom prst="roundRect">
               <a:avLst/>
             </a:prstGeom>
-            <a:solidFill>
-              <a:schemeClr val="tx1"/>
-            </a:solidFill>
-            <a:ln>
-              <a:solidFill>
-                <a:schemeClr val="tx1"/>
-              </a:solidFill>
-            </a:ln>
           </p:spPr>
           <p:style>
             <a:lnRef idx="2">
@@ -6887,23 +7150,28 @@
             <a:lstStyle/>
             <a:p>
               <a:pPr algn="ctr"/>
-              <a:endParaRPr lang="en-GB"/>
+              <a:r>
+                <a:rPr lang="en-GB" sz="1200" b="0" i="0" u="none" strike="noStrike" baseline="0" dirty="0" smtClean="0">
+                  <a:latin typeface="CMR10"/>
+                </a:rPr>
+                <a:t>GUI</a:t>
+              </a:r>
             </a:p>
           </p:txBody>
         </p:sp>
         <p:cxnSp>
           <p:nvCxnSpPr>
-            <p:cNvPr id="220" name="Straight Arrow Connector 219"/>
+            <p:cNvPr id="56" name="Straight Arrow Connector 55"/>
             <p:cNvCxnSpPr>
-              <a:stCxn id="219" idx="6"/>
-              <a:endCxn id="4" idx="1"/>
+              <a:stCxn id="13" idx="2"/>
+              <a:endCxn id="55" idx="0"/>
             </p:cNvCxnSpPr>
             <p:nvPr/>
           </p:nvCxnSpPr>
           <p:spPr>
-            <a:xfrm>
-              <a:off x="2649448" y="814501"/>
-              <a:ext cx="1403223" cy="1"/>
+            <a:xfrm flipH="1">
+              <a:off x="3947334" y="4958479"/>
+              <a:ext cx="7239" cy="482268"/>
             </a:xfrm>
             <a:prstGeom prst="straightConnector1">
               <a:avLst/>
@@ -6932,17 +7200,17 @@
         </p:cxnSp>
         <p:cxnSp>
           <p:nvCxnSpPr>
-            <p:cNvPr id="229" name="Straight Arrow Connector 228"/>
+            <p:cNvPr id="57" name="Straight Arrow Connector 56"/>
             <p:cNvCxnSpPr>
-              <a:stCxn id="219" idx="4"/>
-              <a:endCxn id="12" idx="0"/>
+              <a:stCxn id="38" idx="1"/>
+              <a:endCxn id="55" idx="3"/>
             </p:cNvCxnSpPr>
             <p:nvPr/>
           </p:nvCxnSpPr>
           <p:spPr>
-            <a:xfrm>
-              <a:off x="2469448" y="994501"/>
-              <a:ext cx="0" cy="1085636"/>
+            <a:xfrm flipH="1">
+              <a:off x="4478137" y="5711992"/>
+              <a:ext cx="340734" cy="1"/>
             </a:xfrm>
             <a:prstGeom prst="straightConnector1">
               <a:avLst/>
@@ -6970,231 +7238,10 @@
           </p:style>
         </p:cxnSp>
       </p:grpSp>
-      <p:sp>
-        <p:nvSpPr>
-          <p:cNvPr id="38" name="Rounded Rectangle 37"/>
-          <p:cNvSpPr/>
-          <p:nvPr/>
-        </p:nvSpPr>
-        <p:spPr>
-          <a:xfrm>
-            <a:off x="4818871" y="5440746"/>
-            <a:ext cx="1061606" cy="542491"/>
-          </a:xfrm>
-          <a:prstGeom prst="roundRect">
-            <a:avLst/>
-          </a:prstGeom>
-        </p:spPr>
-        <p:style>
-          <a:lnRef idx="2">
-            <a:schemeClr val="accent1">
-              <a:shade val="50000"/>
-            </a:schemeClr>
-          </a:lnRef>
-          <a:fillRef idx="1">
-            <a:schemeClr val="accent1"/>
-          </a:fillRef>
-          <a:effectRef idx="0">
-            <a:schemeClr val="accent1"/>
-          </a:effectRef>
-          <a:fontRef idx="minor">
-            <a:schemeClr val="lt1"/>
-          </a:fontRef>
-        </p:style>
-        <p:txBody>
-          <a:bodyPr rtlCol="0" anchor="ctr"/>
-          <a:lstStyle/>
-          <a:p>
-            <a:pPr algn="ctr"/>
-            <a:r>
-              <a:rPr lang="en-GB" sz="1200" b="0" i="0" u="none" strike="noStrike" baseline="0" dirty="0" smtClean="0">
-                <a:latin typeface="CMR10"/>
-              </a:rPr>
-              <a:t>Association </a:t>
-            </a:r>
-            <a:r>
-              <a:rPr lang="en-GB" sz="1200" b="0" i="0" u="none" strike="noStrike" baseline="0" dirty="0" smtClean="0">
-                <a:latin typeface="CMR10"/>
-              </a:rPr>
-              <a:t>analyser Twitter</a:t>
-            </a:r>
-            <a:endParaRPr lang="en-GB" sz="1200" b="0" i="0" u="none" strike="noStrike" baseline="0" dirty="0" smtClean="0">
-              <a:latin typeface="CMR10"/>
-            </a:endParaRPr>
-          </a:p>
-        </p:txBody>
-      </p:sp>
-      <p:cxnSp>
-        <p:nvCxnSpPr>
-          <p:cNvPr id="39" name="Elbow Connector 38"/>
-          <p:cNvCxnSpPr>
-            <a:stCxn id="9" idx="1"/>
-            <a:endCxn id="38" idx="3"/>
-          </p:cNvCxnSpPr>
-          <p:nvPr/>
-        </p:nvCxnSpPr>
-        <p:spPr>
-          <a:xfrm rot="10800000" flipV="1">
-            <a:off x="5880478" y="5519294"/>
-            <a:ext cx="753345" cy="192697"/>
-          </a:xfrm>
-          <a:prstGeom prst="bentConnector3">
-            <a:avLst>
-              <a:gd name="adj1" fmla="val 50000"/>
-            </a:avLst>
-          </a:prstGeom>
-          <a:ln w="19050">
-            <a:solidFill>
-              <a:schemeClr val="tx1"/>
-            </a:solidFill>
-            <a:tailEnd type="triangle"/>
-          </a:ln>
-        </p:spPr>
-        <p:style>
-          <a:lnRef idx="1">
-            <a:schemeClr val="accent1"/>
-          </a:lnRef>
-          <a:fillRef idx="0">
-            <a:schemeClr val="accent1"/>
-          </a:fillRef>
-          <a:effectRef idx="0">
-            <a:schemeClr val="accent1"/>
-          </a:effectRef>
-          <a:fontRef idx="minor">
-            <a:schemeClr val="tx1"/>
-          </a:fontRef>
-        </p:style>
-      </p:cxnSp>
-      <p:sp>
-        <p:nvSpPr>
-          <p:cNvPr id="55" name="Rounded Rectangle 54"/>
-          <p:cNvSpPr/>
-          <p:nvPr/>
-        </p:nvSpPr>
-        <p:spPr>
-          <a:xfrm>
-            <a:off x="3011091" y="5440747"/>
-            <a:ext cx="1061606" cy="542491"/>
-          </a:xfrm>
-          <a:prstGeom prst="roundRect">
-            <a:avLst/>
-          </a:prstGeom>
-        </p:spPr>
-        <p:style>
-          <a:lnRef idx="2">
-            <a:schemeClr val="accent1">
-              <a:shade val="50000"/>
-            </a:schemeClr>
-          </a:lnRef>
-          <a:fillRef idx="1">
-            <a:schemeClr val="accent1"/>
-          </a:fillRef>
-          <a:effectRef idx="0">
-            <a:schemeClr val="accent1"/>
-          </a:effectRef>
-          <a:fontRef idx="minor">
-            <a:schemeClr val="lt1"/>
-          </a:fontRef>
-        </p:style>
-        <p:txBody>
-          <a:bodyPr rtlCol="0" anchor="ctr"/>
-          <a:lstStyle/>
-          <a:p>
-            <a:pPr algn="ctr"/>
-            <a:r>
-              <a:rPr lang="en-GB" sz="1200" b="0" i="0" u="none" strike="noStrike" baseline="0" dirty="0" smtClean="0">
-                <a:latin typeface="CMR10"/>
-              </a:rPr>
-              <a:t>GUI</a:t>
-            </a:r>
-            <a:endParaRPr lang="en-GB" sz="1200" b="0" i="0" u="none" strike="noStrike" baseline="0" dirty="0" smtClean="0">
-              <a:latin typeface="CMR10"/>
-            </a:endParaRPr>
-          </a:p>
-        </p:txBody>
-      </p:sp>
-      <p:cxnSp>
-        <p:nvCxnSpPr>
-          <p:cNvPr id="56" name="Straight Arrow Connector 55"/>
-          <p:cNvCxnSpPr>
-            <a:stCxn id="13" idx="2"/>
-            <a:endCxn id="55" idx="0"/>
-          </p:cNvCxnSpPr>
-          <p:nvPr/>
-        </p:nvCxnSpPr>
-        <p:spPr>
-          <a:xfrm flipH="1">
-            <a:off x="3541894" y="4958479"/>
-            <a:ext cx="593834" cy="482268"/>
-          </a:xfrm>
-          <a:prstGeom prst="straightConnector1">
-            <a:avLst/>
-          </a:prstGeom>
-          <a:ln w="19050">
-            <a:solidFill>
-              <a:schemeClr val="tx1"/>
-            </a:solidFill>
-            <a:tailEnd type="triangle"/>
-          </a:ln>
-        </p:spPr>
-        <p:style>
-          <a:lnRef idx="1">
-            <a:schemeClr val="accent1"/>
-          </a:lnRef>
-          <a:fillRef idx="0">
-            <a:schemeClr val="accent1"/>
-          </a:fillRef>
-          <a:effectRef idx="0">
-            <a:schemeClr val="accent1"/>
-          </a:effectRef>
-          <a:fontRef idx="minor">
-            <a:schemeClr val="tx1"/>
-          </a:fontRef>
-        </p:style>
-      </p:cxnSp>
-      <p:cxnSp>
-        <p:nvCxnSpPr>
-          <p:cNvPr id="57" name="Straight Arrow Connector 56"/>
-          <p:cNvCxnSpPr>
-            <a:stCxn id="38" idx="1"/>
-            <a:endCxn id="55" idx="3"/>
-          </p:cNvCxnSpPr>
-          <p:nvPr/>
-        </p:nvCxnSpPr>
-        <p:spPr>
-          <a:xfrm flipH="1">
-            <a:off x="4072697" y="5711992"/>
-            <a:ext cx="746174" cy="1"/>
-          </a:xfrm>
-          <a:prstGeom prst="straightConnector1">
-            <a:avLst/>
-          </a:prstGeom>
-          <a:ln w="19050">
-            <a:solidFill>
-              <a:schemeClr val="tx1"/>
-            </a:solidFill>
-            <a:tailEnd type="triangle"/>
-          </a:ln>
-        </p:spPr>
-        <p:style>
-          <a:lnRef idx="1">
-            <a:schemeClr val="accent1"/>
-          </a:lnRef>
-          <a:fillRef idx="0">
-            <a:schemeClr val="accent1"/>
-          </a:fillRef>
-          <a:effectRef idx="0">
-            <a:schemeClr val="accent1"/>
-          </a:effectRef>
-          <a:fontRef idx="minor">
-            <a:schemeClr val="tx1"/>
-          </a:fontRef>
-        </p:style>
-      </p:cxnSp>
     </p:spTree>
     <p:extLst>
       <p:ext uri="{BB962C8B-B14F-4D97-AF65-F5344CB8AC3E}">
-        <p14:creationId xmlns:p14="http://schemas.microsoft.com/office/powerpoint/2010/main" xmlns="" val="3122238582"/>
+        <p14:creationId xmlns:p14="http://schemas.microsoft.com/office/powerpoint/2010/main" val="3122238582"/>
       </p:ext>
     </p:extLst>
   </p:cSld>
@@ -7459,7 +7506,7 @@
   <a:extraClrSchemeLst/>
   <a:extLst>
     <a:ext uri="{05A4C25C-085E-4340-85A3-A5531E510DB2}">
-      <thm15:themeFamily xmlns:thm15="http://schemas.microsoft.com/office/thememl/2012/main" xmlns="" name="Office Theme" id="{62F939B6-93AF-4DB8-9C6B-D6C7DFDC589F}" vid="{4A3C46E8-61CC-4603-A589-7422A47A8E4A}"/>
+      <thm15:themeFamily xmlns:thm15="http://schemas.microsoft.com/office/thememl/2012/main" name="Office Theme" id="{62F939B6-93AF-4DB8-9C6B-D6C7DFDC589F}" vid="{4A3C46E8-61CC-4603-A589-7422A47A8E4A}"/>
     </a:ext>
   </a:extLst>
 </a:theme>
